--- a/KZ4020/Lab2_IR_HCl_intro.pptx
+++ b/KZ4020/Lab2_IR_HCl_intro.pptx
@@ -4,19 +4,19 @@
   <p:sldMasterIdLst>
     <p:sldMasterId id="2147483648" r:id="rId1"/>
   </p:sldMasterIdLst>
+  <p:notesMasterIdLst>
+    <p:notesMasterId r:id="rId10"/>
+  </p:notesMasterIdLst>
   <p:sldIdLst>
     <p:sldId id="256" r:id="rId2"/>
     <p:sldId id="257" r:id="rId3"/>
-    <p:sldId id="258" r:id="rId4"/>
-    <p:sldId id="259" r:id="rId5"/>
+    <p:sldId id="259" r:id="rId4"/>
+    <p:sldId id="258" r:id="rId5"/>
     <p:sldId id="260" r:id="rId6"/>
     <p:sldId id="261" r:id="rId7"/>
     <p:sldId id="262" r:id="rId8"/>
     <p:sldId id="263" r:id="rId9"/>
   </p:sldIdLst>
-  <p:notesMasterIdLst>
-    <p:notesMasterId r:id="rId10"/>
-  </p:notesMasterIdLst>
   <p:sldSz cx="12192000" cy="6858000"/>
   <p:notesSz cx="6858000" cy="12192000"/>
   <p:defaultTextStyle>
@@ -111,6 +111,11 @@
       </a:defRPr>
     </a:lvl9pPr>
   </p:defaultTextStyle>
+  <p:extLst>
+    <p:ext uri="{EFAFB233-063F-42B5-8137-9DF3F51BA10A}">
+      <p15:sldGuideLst xmlns:p15="http://schemas.microsoft.com/office/powerpoint/2012/main"/>
+    </p:ext>
+  </p:extLst>
 </p:presentation>
 </file>
 
@@ -136,234 +141,10 @@
           <a:chExt cx="0" cy="0"/>
         </a:xfrm>
       </p:grpSpPr>
-      <p:sp>
-        <p:nvSpPr>
-          <p:cNvPr id="2" name="Header Placeholder 1"/>
-          <p:cNvSpPr>
-            <a:spLocks noGrp="1"/>
-          </p:cNvSpPr>
-          <p:nvPr>
-            <p:ph type="hdr" sz="quarter"/>
-          </p:nvPr>
-        </p:nvSpPr>
-        <p:spPr>
-          <a:xfrm>
-            <a:off x="0" y="0"/>
-            <a:ext cx="2971800" cy="458788"/>
-          </a:xfrm>
-          <a:prstGeom prst="rect">
-            <a:avLst/>
-          </a:prstGeom>
-        </p:spPr>
-        <p:txBody>
-          <a:bodyPr vert="horz" lIns="91440" tIns="45720" rIns="91440" bIns="45720" rtlCol="0"/>
-          <a:lstStyle>
-            <a:lvl1pPr algn="l">
-              <a:defRPr sz="1200"/>
-            </a:lvl1pPr>
-          </a:lstStyle>
-          <a:p>
-            <a:endParaRPr lang="en-US"/>
-          </a:p>
-        </p:txBody>
-      </p:sp>
-      <p:sp>
-        <p:nvSpPr>
-          <p:cNvPr id="3" name="Date Placeholder 2"/>
-          <p:cNvSpPr>
-            <a:spLocks noGrp="1"/>
-          </p:cNvSpPr>
-          <p:nvPr>
-            <p:ph type="dt" idx="1"/>
-          </p:nvPr>
-        </p:nvSpPr>
-        <p:spPr>
-          <a:xfrm>
-            <a:off x="3884613" y="0"/>
-            <a:ext cx="2971800" cy="458788"/>
-          </a:xfrm>
-          <a:prstGeom prst="rect">
-            <a:avLst/>
-          </a:prstGeom>
-        </p:spPr>
-        <p:txBody>
-          <a:bodyPr vert="horz" lIns="91440" tIns="45720" rIns="91440" bIns="45720" rtlCol="0"/>
-          <a:lstStyle>
-            <a:lvl1pPr algn="r">
-              <a:defRPr sz="1200"/>
-            </a:lvl1pPr>
-          </a:lstStyle>
-          <a:p>
-            <a:fld id="{5282F153-3F37-0F45-9E97-73ACFA13230C}" type="datetimeFigureOut">
-              <a:rPr lang="en-US"/>
-              <a:t>7/23/19</a:t>
-            </a:fld>
-            <a:endParaRPr lang="en-US"/>
-          </a:p>
-        </p:txBody>
-      </p:sp>
-      <p:sp>
-        <p:nvSpPr>
-          <p:cNvPr id="4" name="Slide Image Placeholder 3"/>
-          <p:cNvSpPr>
-            <a:spLocks noGrp="1" noRot="1" noChangeAspect="1"/>
-          </p:cNvSpPr>
-          <p:nvPr>
-            <p:ph type="sldImg" idx="2"/>
-          </p:nvPr>
-        </p:nvSpPr>
-        <p:spPr>
-          <a:xfrm>
-            <a:off x="685800" y="1143000"/>
-            <a:ext cx="5486400" cy="3086100"/>
-          </a:xfrm>
-          <a:prstGeom prst="rect">
-            <a:avLst/>
-          </a:prstGeom>
-          <a:noFill/>
-          <a:ln w="12700">
-            <a:solidFill>
-              <a:prstClr val="black"/>
-            </a:solidFill>
-          </a:ln>
-        </p:spPr>
-        <p:txBody>
-          <a:bodyPr vert="horz" lIns="91440" tIns="45720" rIns="91440" bIns="45720" rtlCol="0" anchor="ctr"/>
-          <a:lstStyle/>
-          <a:p>
-            <a:endParaRPr lang="en-US"/>
-          </a:p>
-        </p:txBody>
-      </p:sp>
-      <p:sp>
-        <p:nvSpPr>
-          <p:cNvPr id="5" name="Notes Placeholder 4"/>
-          <p:cNvSpPr>
-            <a:spLocks noGrp="1"/>
-          </p:cNvSpPr>
-          <p:nvPr>
-            <p:ph type="body" sz="quarter" idx="3"/>
-          </p:nvPr>
-        </p:nvSpPr>
-        <p:spPr>
-          <a:xfrm>
-            <a:off x="685800" y="4400550"/>
-            <a:ext cx="5486400" cy="3600450"/>
-          </a:xfrm>
-          <a:prstGeom prst="rect">
-            <a:avLst/>
-          </a:prstGeom>
-        </p:spPr>
-        <p:txBody>
-          <a:bodyPr vert="horz" lIns="91440" tIns="45720" rIns="91440" bIns="45720" rtlCol="0"/>
-          <a:lstStyle/>
-          <a:p>
-            <a:pPr lvl="0"/>
-            <a:r>
-              <a:rPr lang="en-US"/>
-              <a:t>Click to edit Master text styles</a:t>
-            </a:r>
-          </a:p>
-          <a:p>
-            <a:pPr lvl="1"/>
-            <a:r>
-              <a:rPr lang="en-US"/>
-              <a:t>Second level</a:t>
-            </a:r>
-          </a:p>
-          <a:p>
-            <a:pPr lvl="2"/>
-            <a:r>
-              <a:rPr lang="en-US"/>
-              <a:t>Third level</a:t>
-            </a:r>
-          </a:p>
-          <a:p>
-            <a:pPr lvl="3"/>
-            <a:r>
-              <a:rPr lang="en-US"/>
-              <a:t>Fourth level</a:t>
-            </a:r>
-          </a:p>
-          <a:p>
-            <a:pPr lvl="4"/>
-            <a:r>
-              <a:rPr lang="en-US"/>
-              <a:t>Fifth level</a:t>
-            </a:r>
-          </a:p>
-        </p:txBody>
-      </p:sp>
-      <p:sp>
-        <p:nvSpPr>
-          <p:cNvPr id="6" name="Footer Placeholder 5"/>
-          <p:cNvSpPr>
-            <a:spLocks noGrp="1"/>
-          </p:cNvSpPr>
-          <p:nvPr>
-            <p:ph type="ftr" sz="quarter" idx="4"/>
-          </p:nvPr>
-        </p:nvSpPr>
-        <p:spPr>
-          <a:xfrm>
-            <a:off x="0" y="8685213"/>
-            <a:ext cx="2971800" cy="458787"/>
-          </a:xfrm>
-          <a:prstGeom prst="rect">
-            <a:avLst/>
-          </a:prstGeom>
-        </p:spPr>
-        <p:txBody>
-          <a:bodyPr vert="horz" lIns="91440" tIns="45720" rIns="91440" bIns="45720" rtlCol="0" anchor="b"/>
-          <a:lstStyle>
-            <a:lvl1pPr algn="l">
-              <a:defRPr sz="1200"/>
-            </a:lvl1pPr>
-          </a:lstStyle>
-          <a:p>
-            <a:endParaRPr lang="en-US"/>
-          </a:p>
-        </p:txBody>
-      </p:sp>
-      <p:sp>
-        <p:nvSpPr>
-          <p:cNvPr id="7" name="Slide Number Placeholder 6"/>
-          <p:cNvSpPr>
-            <a:spLocks noGrp="1"/>
-          </p:cNvSpPr>
-          <p:nvPr>
-            <p:ph type="sldNum" sz="quarter" idx="5"/>
-          </p:nvPr>
-        </p:nvSpPr>
-        <p:spPr>
-          <a:xfrm>
-            <a:off x="3884613" y="8685213"/>
-            <a:ext cx="2971800" cy="458787"/>
-          </a:xfrm>
-          <a:prstGeom prst="rect">
-            <a:avLst/>
-          </a:prstGeom>
-        </p:spPr>
-        <p:txBody>
-          <a:bodyPr vert="horz" lIns="91440" tIns="45720" rIns="91440" bIns="45720" rtlCol="0" anchor="b"/>
-          <a:lstStyle>
-            <a:lvl1pPr algn="r">
-              <a:defRPr sz="1200"/>
-            </a:lvl1pPr>
-          </a:lstStyle>
-          <a:p>
-            <a:fld id="{CE5E9CC1-C706-0F49-92D6-E571CC5EEA8F}" type="slidenum">
-              <a:rPr lang="en-US"/>
-              <a:t>‹#›</a:t>
-            </a:fld>
-            <a:endParaRPr lang="en-US"/>
-          </a:p>
-        </p:txBody>
-      </p:sp>
     </p:spTree>
     <p:extLst>
       <p:ext uri="{BB962C8B-B14F-4D97-AF65-F5344CB8AC3E}">
-        <p14:creationId xmlns:p14="http://schemas.microsoft.com/office/powerpoint/2010/main" val="1024086991"/>
+        <p14:creationId xmlns:p14="http://schemas.microsoft.com/office/powerpoint/2010/main" val="2640648275"/>
       </p:ext>
     </p:extLst>
   </p:cSld>
@@ -515,7 +296,6 @@
 [/Sources]
 </a:t>
             </a:r>
-            <a:endParaRPr lang="en-US" dirty="0"/>
           </a:p>
         </p:txBody>
       </p:sp>
@@ -607,7 +387,6 @@
 [/Sources]
 </a:t>
             </a:r>
-            <a:endParaRPr lang="en-US" dirty="0"/>
           </a:p>
         </p:txBody>
       </p:sp>
@@ -695,11 +474,10 @@
               <a:rPr lang="en-US" dirty="0"/>
               <a:t>
 [Sources]
-- Rigid rotor energy levels and relation to moment of inertia: https://vallance.chem.ox.ac.uk/pdfs/MolecularEnergyLevelsNotes.pdf
+- Rovibrational spectroscopy background (selection rules and energy spacing discussion): https://chem.libretexts.org/Bookshelves/Physical_and_Theoretical_Chemistry_Textbook_Maps/Supplemental_Modules_%28Physical_and_Theoretical_Chemistry%29/Spectroscopy/Rotational_Spectroscopy/Rovibrational_Spectroscopy
 [/Sources]
 </a:t>
             </a:r>
-            <a:endParaRPr lang="en-US" dirty="0"/>
           </a:p>
         </p:txBody>
       </p:sp>
@@ -787,11 +565,10 @@
               <a:rPr lang="en-US" dirty="0"/>
               <a:t>
 [Sources]
-- Rovibrational spectroscopy background (selection rules and energy spacing discussion): https://chem.libretexts.org/Bookshelves/Physical_and_Theoretical_Chemistry_Textbook_Maps/Supplemental_Modules_%28Physical_and_Theoretical_Chemistry%29/Spectroscopy/Rotational_Spectroscopy/Rovibrational_Spectroscopy
+- Rigid rotor energy levels and relation to moment of inertia: https://vallance.chem.ox.ac.uk/pdfs/MolecularEnergyLevelsNotes.pdf
 [/Sources]
 </a:t>
             </a:r>
-            <a:endParaRPr lang="en-US" dirty="0"/>
           </a:p>
         </p:txBody>
       </p:sp>
@@ -884,7 +661,6 @@
 [/Sources]
 </a:t>
             </a:r>
-            <a:endParaRPr lang="en-US" dirty="0"/>
           </a:p>
         </p:txBody>
       </p:sp>
@@ -977,7 +753,6 @@
 [/Sources]
 </a:t>
             </a:r>
-            <a:endParaRPr lang="en-US" dirty="0"/>
           </a:p>
         </p:txBody>
       </p:sp>
@@ -1069,7 +844,6 @@
 [/Sources]
 </a:t>
             </a:r>
-            <a:endParaRPr lang="en-US" dirty="0"/>
           </a:p>
         </p:txBody>
       </p:sp>
@@ -1161,7 +935,6 @@
 [/Sources]
 </a:t>
             </a:r>
-            <a:endParaRPr lang="en-US" dirty="0"/>
           </a:p>
         </p:txBody>
       </p:sp>
@@ -1234,6 +1007,11 @@
 <file path=ppt/slideMasters/slideMaster1.xml><?xml version="1.0" encoding="utf-8"?>
 <p:sldMaster xmlns:a="http://schemas.openxmlformats.org/drawingml/2006/main" xmlns:r="http://schemas.openxmlformats.org/officeDocument/2006/relationships" xmlns:p="http://schemas.openxmlformats.org/presentationml/2006/main">
   <p:cSld>
+    <p:bg>
+      <p:bgRef idx="1001">
+        <a:schemeClr val="bg1"/>
+      </p:bgRef>
+    </p:bg>
     <p:spTree>
       <p:nvGrpSpPr>
         <p:cNvPr id="1" name=""/>
@@ -1516,6 +1294,7 @@
         <a:solidFill>
           <a:srgbClr val="F8FAFC"/>
         </a:solidFill>
+        <a:effectLst/>
       </p:bgPr>
     </p:bg>
     <p:spTree>
@@ -1578,7 +1357,7 @@
           <a:bodyPr wrap="square" rtlCol="0" anchor="ctr"/>
           <a:lstStyle/>
           <a:p>
-            <a:pPr indent="0" marL="0">
+            <a:pPr marL="0" indent="0">
               <a:buNone/>
             </a:pPr>
             <a:r>
@@ -1617,7 +1396,7 @@
           <a:bodyPr wrap="square" rtlCol="0" anchor="ctr"/>
           <a:lstStyle/>
           <a:p>
-            <a:pPr indent="0" marL="0">
+            <a:pPr marL="0" indent="0">
               <a:buNone/>
             </a:pPr>
             <a:r>
@@ -1656,7 +1435,7 @@
           <a:bodyPr wrap="square" rtlCol="0" anchor="ctr"/>
           <a:lstStyle/>
           <a:p>
-            <a:pPr indent="0" marL="0">
+            <a:pPr marL="0" indent="0">
               <a:buNone/>
             </a:pPr>
             <a:r>
@@ -1682,7 +1461,7 @@
         </p:nvSpPr>
         <p:spPr>
           <a:xfrm>
-            <a:off x="502920" y="2834640"/>
+            <a:off x="358140" y="2971061"/>
             <a:ext cx="3611880" cy="2194560"/>
           </a:xfrm>
           <a:prstGeom prst="roundRect">
@@ -1698,7 +1477,7 @@
             <a:prstDash val="solid"/>
           </a:ln>
           <a:effectLst>
-            <a:outerShdw sx="100000" sy="100000" kx="0" ky="0" algn="bl" rotWithShape="0" blurRad="38100" dist="19050" dir="2700000">
+            <a:outerShdw blurRad="38100" dist="19050" dir="2700000" algn="bl" rotWithShape="0">
               <a:srgbClr val="000000">
                 <a:alpha val="10000"/>
               </a:srgbClr>
@@ -1714,7 +1493,7 @@
         </p:nvSpPr>
         <p:spPr>
           <a:xfrm>
-            <a:off x="731520" y="3017520"/>
+            <a:off x="586740" y="3153941"/>
             <a:ext cx="3154680" cy="320040"/>
           </a:xfrm>
           <a:prstGeom prst="rect">
@@ -1727,7 +1506,7 @@
           <a:bodyPr wrap="square" rtlCol="0" anchor="ctr"/>
           <a:lstStyle/>
           <a:p>
-            <a:pPr indent="0" marL="0">
+            <a:pPr marL="0" indent="0">
               <a:buNone/>
             </a:pPr>
             <a:r>
@@ -1753,7 +1532,7 @@
         </p:nvSpPr>
         <p:spPr>
           <a:xfrm>
-            <a:off x="731520" y="3401568"/>
+            <a:off x="586740" y="3537989"/>
             <a:ext cx="3154680" cy="27432"/>
           </a:xfrm>
           <a:prstGeom prst="rect">
@@ -1778,7 +1557,7 @@
         </p:nvSpPr>
         <p:spPr>
           <a:xfrm>
-            <a:off x="822960" y="3566160"/>
+            <a:off x="678180" y="3702581"/>
             <a:ext cx="3063240" cy="1371600"/>
           </a:xfrm>
           <a:prstGeom prst="rect">
@@ -1842,7 +1621,7 @@
         </p:nvSpPr>
         <p:spPr>
           <a:xfrm>
-            <a:off x="4434840" y="2834640"/>
+            <a:off x="4290060" y="2971061"/>
             <a:ext cx="3611880" cy="2194560"/>
           </a:xfrm>
           <a:prstGeom prst="roundRect">
@@ -1858,7 +1637,7 @@
             <a:prstDash val="solid"/>
           </a:ln>
           <a:effectLst>
-            <a:outerShdw sx="100000" sy="100000" kx="0" ky="0" algn="bl" rotWithShape="0" blurRad="38100" dist="19050" dir="2700000">
+            <a:outerShdw blurRad="38100" dist="19050" dir="2700000" algn="bl" rotWithShape="0">
               <a:srgbClr val="000000">
                 <a:alpha val="10000"/>
               </a:srgbClr>
@@ -1874,7 +1653,7 @@
         </p:nvSpPr>
         <p:spPr>
           <a:xfrm>
-            <a:off x="4663440" y="3017520"/>
+            <a:off x="4518660" y="3153941"/>
             <a:ext cx="3154680" cy="320040"/>
           </a:xfrm>
           <a:prstGeom prst="rect">
@@ -1887,7 +1666,7 @@
           <a:bodyPr wrap="square" rtlCol="0" anchor="ctr"/>
           <a:lstStyle/>
           <a:p>
-            <a:pPr indent="0" marL="0">
+            <a:pPr marL="0" indent="0">
               <a:buNone/>
             </a:pPr>
             <a:r>
@@ -1913,7 +1692,7 @@
         </p:nvSpPr>
         <p:spPr>
           <a:xfrm>
-            <a:off x="4663440" y="3401568"/>
+            <a:off x="4518660" y="3537989"/>
             <a:ext cx="3154680" cy="27432"/>
           </a:xfrm>
           <a:prstGeom prst="rect">
@@ -1938,7 +1717,7 @@
         </p:nvSpPr>
         <p:spPr>
           <a:xfrm>
-            <a:off x="4754880" y="3566160"/>
+            <a:off x="4610100" y="3702581"/>
             <a:ext cx="3063240" cy="1371600"/>
           </a:xfrm>
           <a:prstGeom prst="rect">
@@ -2002,7 +1781,7 @@
         </p:nvSpPr>
         <p:spPr>
           <a:xfrm>
-            <a:off x="8366760" y="2834640"/>
+            <a:off x="8221980" y="2971061"/>
             <a:ext cx="3611880" cy="2194560"/>
           </a:xfrm>
           <a:prstGeom prst="roundRect">
@@ -2018,7 +1797,7 @@
             <a:prstDash val="solid"/>
           </a:ln>
           <a:effectLst>
-            <a:outerShdw sx="100000" sy="100000" kx="0" ky="0" algn="bl" rotWithShape="0" blurRad="38100" dist="19050" dir="2700000">
+            <a:outerShdw blurRad="38100" dist="19050" dir="2700000" algn="bl" rotWithShape="0">
               <a:srgbClr val="000000">
                 <a:alpha val="10000"/>
               </a:srgbClr>
@@ -2034,7 +1813,7 @@
         </p:nvSpPr>
         <p:spPr>
           <a:xfrm>
-            <a:off x="8595360" y="3017520"/>
+            <a:off x="8450580" y="3153941"/>
             <a:ext cx="3154680" cy="320040"/>
           </a:xfrm>
           <a:prstGeom prst="rect">
@@ -2047,7 +1826,7 @@
           <a:bodyPr wrap="square" rtlCol="0" anchor="ctr"/>
           <a:lstStyle/>
           <a:p>
-            <a:pPr indent="0" marL="0">
+            <a:pPr marL="0" indent="0">
               <a:buNone/>
             </a:pPr>
             <a:r>
@@ -2073,7 +1852,7 @@
         </p:nvSpPr>
         <p:spPr>
           <a:xfrm>
-            <a:off x="8595360" y="3401568"/>
+            <a:off x="8450580" y="3537989"/>
             <a:ext cx="3154680" cy="27432"/>
           </a:xfrm>
           <a:prstGeom prst="rect">
@@ -2098,7 +1877,7 @@
         </p:nvSpPr>
         <p:spPr>
           <a:xfrm>
-            <a:off x="8686800" y="3566160"/>
+            <a:off x="8542020" y="3702581"/>
             <a:ext cx="3063240" cy="1371600"/>
           </a:xfrm>
           <a:prstGeom prst="rect">
@@ -2175,7 +1954,7 @@
           <a:bodyPr wrap="square" rtlCol="0" anchor="ctr"/>
           <a:lstStyle/>
           <a:p>
-            <a:pPr indent="0" marL="0">
+            <a:pPr marL="0" indent="0">
               <a:buNone/>
             </a:pPr>
             <a:r>
@@ -2193,11 +1972,187 @@
           </a:p>
         </p:txBody>
       </p:sp>
+      <p:pic>
+        <p:nvPicPr>
+          <p:cNvPr id="19" name="Recording 2026-02-04 143955">
+            <a:hlinkClick r:id="" action="ppaction://media"/>
+            <a:extLst>
+              <a:ext uri="{FF2B5EF4-FFF2-40B4-BE49-F238E27FC236}">
+                <a16:creationId xmlns:a16="http://schemas.microsoft.com/office/drawing/2014/main" id="{D30CDEA8-D481-41CA-8B9F-8ADD734FC648}"/>
+              </a:ext>
+            </a:extLst>
+          </p:cNvPr>
+          <p:cNvPicPr>
+            <a:picLocks noChangeAspect="1"/>
+          </p:cNvPicPr>
+          <p:nvPr>
+            <a:videoFile r:link="rId2"/>
+            <p:extLst>
+              <p:ext uri="{DAA4B4D4-6D71-4841-9C94-3DE7FCFB9230}">
+                <p14:media xmlns:p14="http://schemas.microsoft.com/office/powerpoint/2010/main" r:embed="rId1"/>
+              </p:ext>
+            </p:extLst>
+          </p:nvPr>
+        </p:nvPicPr>
+        <p:blipFill>
+          <a:blip r:embed="rId5"/>
+          <a:stretch>
+            <a:fillRect/>
+          </a:stretch>
+        </p:blipFill>
+        <p:spPr>
+          <a:xfrm rot="16200000">
+            <a:off x="8669771" y="841248"/>
+            <a:ext cx="1579025" cy="1786554"/>
+          </a:xfrm>
+          <a:prstGeom prst="rect">
+            <a:avLst/>
+          </a:prstGeom>
+        </p:spPr>
+      </p:pic>
     </p:spTree>
   </p:cSld>
   <p:clrMapOvr>
     <a:masterClrMapping/>
   </p:clrMapOvr>
+  <p:timing>
+    <p:tnLst>
+      <p:par>
+        <p:cTn id="1" dur="indefinite" restart="never" nodeType="tmRoot">
+          <p:childTnLst>
+            <p:seq concurrent="1" nextAc="seek">
+              <p:cTn id="2" dur="indefinite" nodeType="mainSeq">
+                <p:childTnLst>
+                  <p:par>
+                    <p:cTn id="3" fill="hold">
+                      <p:stCondLst>
+                        <p:cond delay="indefinite"/>
+                        <p:cond evt="onBegin" delay="0">
+                          <p:tn val="2"/>
+                        </p:cond>
+                      </p:stCondLst>
+                      <p:childTnLst>
+                        <p:par>
+                          <p:cTn id="4" fill="hold">
+                            <p:stCondLst>
+                              <p:cond delay="0"/>
+                            </p:stCondLst>
+                            <p:childTnLst>
+                              <p:par>
+                                <p:cTn id="5" presetID="1" presetClass="mediacall" presetSubtype="0" fill="hold" nodeType="afterEffect">
+                                  <p:stCondLst>
+                                    <p:cond delay="0"/>
+                                  </p:stCondLst>
+                                  <p:childTnLst>
+                                    <p:cmd type="call" cmd="playFrom(0.0)">
+                                      <p:cBhvr>
+                                        <p:cTn id="6" dur="4053" fill="hold"/>
+                                        <p:tgtEl>
+                                          <p:spTgt spid="19"/>
+                                        </p:tgtEl>
+                                      </p:cBhvr>
+                                    </p:cmd>
+                                  </p:childTnLst>
+                                </p:cTn>
+                              </p:par>
+                            </p:childTnLst>
+                          </p:cTn>
+                        </p:par>
+                      </p:childTnLst>
+                    </p:cTn>
+                  </p:par>
+                </p:childTnLst>
+              </p:cTn>
+              <p:prevCondLst>
+                <p:cond evt="onPrev" delay="0">
+                  <p:tgtEl>
+                    <p:sldTgt/>
+                  </p:tgtEl>
+                </p:cond>
+              </p:prevCondLst>
+              <p:nextCondLst>
+                <p:cond evt="onNext" delay="0">
+                  <p:tgtEl>
+                    <p:sldTgt/>
+                  </p:tgtEl>
+                </p:cond>
+              </p:nextCondLst>
+            </p:seq>
+            <p:video>
+              <p:cMediaNode vol="80000">
+                <p:cTn id="7" repeatCount="indefinite" fill="hold" display="0">
+                  <p:stCondLst>
+                    <p:cond delay="indefinite"/>
+                  </p:stCondLst>
+                </p:cTn>
+                <p:tgtEl>
+                  <p:spTgt spid="19"/>
+                </p:tgtEl>
+              </p:cMediaNode>
+            </p:video>
+            <p:seq concurrent="1" nextAc="seek">
+              <p:cTn id="8" restart="whenNotActive" fill="hold" evtFilter="cancelBubble" nodeType="interactiveSeq">
+                <p:stCondLst>
+                  <p:cond evt="onClick" delay="0">
+                    <p:tgtEl>
+                      <p:spTgt spid="19"/>
+                    </p:tgtEl>
+                  </p:cond>
+                </p:stCondLst>
+                <p:endSync evt="end" delay="0">
+                  <p:rtn val="all"/>
+                </p:endSync>
+                <p:childTnLst>
+                  <p:par>
+                    <p:cTn id="9" fill="hold">
+                      <p:stCondLst>
+                        <p:cond delay="0"/>
+                      </p:stCondLst>
+                      <p:childTnLst>
+                        <p:par>
+                          <p:cTn id="10" fill="hold">
+                            <p:stCondLst>
+                              <p:cond delay="0"/>
+                            </p:stCondLst>
+                            <p:childTnLst>
+                              <p:par>
+                                <p:cTn id="11" presetID="2" presetClass="mediacall" presetSubtype="0" fill="hold" nodeType="clickEffect">
+                                  <p:stCondLst>
+                                    <p:cond delay="0"/>
+                                  </p:stCondLst>
+                                  <p:childTnLst>
+                                    <p:cmd type="call" cmd="togglePause">
+                                      <p:cBhvr>
+                                        <p:cTn id="12" dur="1" fill="hold"/>
+                                        <p:tgtEl>
+                                          <p:spTgt spid="19"/>
+                                        </p:tgtEl>
+                                      </p:cBhvr>
+                                    </p:cmd>
+                                  </p:childTnLst>
+                                </p:cTn>
+                              </p:par>
+                            </p:childTnLst>
+                          </p:cTn>
+                        </p:par>
+                      </p:childTnLst>
+                    </p:cTn>
+                  </p:par>
+                </p:childTnLst>
+              </p:cTn>
+              <p:nextCondLst>
+                <p:cond evt="onClick" delay="0">
+                  <p:tgtEl>
+                    <p:spTgt spid="19"/>
+                  </p:tgtEl>
+                </p:cond>
+              </p:nextCondLst>
+            </p:seq>
+          </p:childTnLst>
+        </p:cTn>
+      </p:par>
+    </p:tnLst>
+  </p:timing>
 </p:sld>
 </file>
 
@@ -2209,6 +2164,7 @@
         <a:solidFill>
           <a:srgbClr val="FFFFFF"/>
         </a:solidFill>
+        <a:effectLst/>
       </p:bgPr>
     </p:bg>
     <p:spTree>
@@ -2271,7 +2227,7 @@
           <a:bodyPr wrap="square" rtlCol="0" anchor="ctr"/>
           <a:lstStyle/>
           <a:p>
-            <a:pPr indent="0" marL="0">
+            <a:pPr marL="0" indent="0">
               <a:buNone/>
             </a:pPr>
             <a:r>
@@ -2310,7 +2266,7 @@
           <a:bodyPr wrap="square" rtlCol="0" anchor="ctr"/>
           <a:lstStyle/>
           <a:p>
-            <a:pPr indent="0" marL="0">
+            <a:pPr marL="0" indent="0">
               <a:buNone/>
             </a:pPr>
             <a:r>
@@ -2355,7 +2311,7 @@
           <a:bodyPr wrap="square" lIns="127000" tIns="127000" rIns="127000" bIns="127000" rtlCol="0" anchor="ctr"/>
           <a:lstStyle/>
           <a:p>
-            <a:pPr algn="ctr" indent="0" marL="0">
+            <a:pPr marL="0" indent="0" algn="ctr">
               <a:buNone/>
             </a:pPr>
             <a:r>
@@ -2370,9 +2326,6 @@
               <a:t>UV/Vis
 </a:t>
             </a:r>
-            <a:pPr algn="ctr" indent="0" marL="0">
-              <a:buNone/>
-            </a:pPr>
             <a:r>
               <a:rPr lang="en-US" sz="1600" dirty="0">
                 <a:solidFill>
@@ -2415,7 +2368,7 @@
           <a:bodyPr wrap="square" lIns="127000" tIns="127000" rIns="127000" bIns="127000" rtlCol="0" anchor="ctr"/>
           <a:lstStyle/>
           <a:p>
-            <a:pPr algn="ctr" indent="0" marL="0">
+            <a:pPr marL="0" indent="0" algn="ctr">
               <a:buNone/>
             </a:pPr>
             <a:r>
@@ -2430,9 +2383,6 @@
               <a:t>IR
 </a:t>
             </a:r>
-            <a:pPr algn="ctr" indent="0" marL="0">
-              <a:buNone/>
-            </a:pPr>
             <a:r>
               <a:rPr lang="en-US" sz="1600" dirty="0">
                 <a:solidFill>
@@ -2475,7 +2425,7 @@
           <a:bodyPr wrap="square" lIns="127000" tIns="127000" rIns="127000" bIns="127000" rtlCol="0" anchor="ctr"/>
           <a:lstStyle/>
           <a:p>
-            <a:pPr algn="ctr" indent="0" marL="0">
+            <a:pPr marL="0" indent="0" algn="ctr">
               <a:buNone/>
             </a:pPr>
             <a:r>
@@ -2490,9 +2440,6 @@
               <a:t>Microwave
 </a:t>
             </a:r>
-            <a:pPr algn="ctr" indent="0" marL="0">
-              <a:buNone/>
-            </a:pPr>
             <a:r>
               <a:rPr lang="en-US" sz="1600" dirty="0">
                 <a:solidFill>
@@ -2554,7 +2501,7 @@
           <a:bodyPr wrap="square" rtlCol="0" anchor="ctr"/>
           <a:lstStyle/>
           <a:p>
-            <a:pPr indent="0" marL="0">
+            <a:pPr marL="0" indent="0">
               <a:buNone/>
             </a:pPr>
             <a:r>
@@ -2593,7 +2540,7 @@
           <a:bodyPr wrap="square" rtlCol="0" anchor="ctr"/>
           <a:lstStyle/>
           <a:p>
-            <a:pPr indent="0" marL="0">
+            <a:pPr marL="0" indent="0">
               <a:buNone/>
             </a:pPr>
             <a:r>
@@ -2632,7 +2579,7 @@
           <a:bodyPr wrap="square" rtlCol="0" anchor="ctr"/>
           <a:lstStyle/>
           <a:p>
-            <a:pPr indent="0" marL="0">
+            <a:pPr marL="0" indent="0">
               <a:buNone/>
             </a:pPr>
             <a:r>
@@ -2658,7 +2605,7 @@
         </p:nvSpPr>
         <p:spPr>
           <a:xfrm>
-            <a:off x="1234440" y="4663440"/>
+            <a:off x="1234440" y="4800600"/>
             <a:ext cx="4754880" cy="548640"/>
           </a:xfrm>
           <a:prstGeom prst="rect">
@@ -2686,13 +2633,19 @@
               </a:rPr>
               <a:t>A permanent (or vibration-induced) dipole moment</a:t>
             </a:r>
-            <a:endParaRPr lang="en-US" sz="1600" dirty="0"/>
           </a:p>
           <a:p>
             <a:pPr marL="228600" indent="-228600">
               <a:buSzPct val="100000"/>
               <a:buChar char="•"/>
             </a:pPr>
+            <a:endParaRPr lang="en-US" sz="1600" dirty="0"/>
+          </a:p>
+          <a:p>
+            <a:pPr marL="228600" indent="-228600">
+              <a:buSzPct val="100000"/>
+              <a:buChar char="•"/>
+            </a:pPr>
             <a:r>
               <a:rPr lang="en-US" sz="1600" dirty="0">
                 <a:solidFill>
@@ -2702,7 +2655,7 @@
                 <a:ea typeface="Calibri" pitchFamily="34" charset="-122"/>
                 <a:cs typeface="Calibri" pitchFamily="34" charset="-120"/>
               </a:rPr>
-              <a:t>→ HCl is IR active.</a:t>
+              <a:t>HCl is IR active. Why?</a:t>
             </a:r>
             <a:endParaRPr lang="en-US" sz="1600" dirty="0"/>
           </a:p>
@@ -2716,7 +2669,7 @@
         </p:nvSpPr>
         <p:spPr>
           <a:xfrm>
-            <a:off x="1051560" y="5440680"/>
+            <a:off x="1051560" y="5532120"/>
             <a:ext cx="5212080" cy="365760"/>
           </a:xfrm>
           <a:prstGeom prst="rect">
@@ -2729,7 +2682,7 @@
           <a:bodyPr wrap="square" rtlCol="0" anchor="ctr"/>
           <a:lstStyle/>
           <a:p>
-            <a:pPr indent="0" marL="0">
+            <a:pPr marL="0" indent="0">
               <a:buNone/>
             </a:pPr>
             <a:r>
@@ -2771,7 +2724,7 @@
             <a:prstDash val="solid"/>
           </a:ln>
           <a:effectLst>
-            <a:outerShdw sx="100000" sy="100000" kx="0" ky="0" algn="bl" rotWithShape="0" blurRad="25400" dist="19050" dir="2700000">
+            <a:outerShdw blurRad="25400" dist="19050" dir="2700000" algn="bl" rotWithShape="0">
               <a:srgbClr val="000000">
                 <a:alpha val="8000"/>
               </a:srgbClr>
@@ -2800,7 +2753,7 @@
           <a:bodyPr wrap="square" rtlCol="0" anchor="ctr"/>
           <a:lstStyle/>
           <a:p>
-            <a:pPr indent="0" marL="0">
+            <a:pPr marL="0" indent="0">
               <a:buNone/>
             </a:pPr>
             <a:r>
@@ -2812,7 +2765,7 @@
                 <a:ea typeface="Calibri" pitchFamily="34" charset="-122"/>
                 <a:cs typeface="Calibri" pitchFamily="34" charset="-120"/>
               </a:rPr>
-              <a:t>What you will see</a:t>
+              <a:t>What you will see (absorption spectrum)</a:t>
             </a:r>
             <a:endParaRPr lang="en-US" sz="1800" dirty="0"/>
           </a:p>
@@ -2820,22 +2773,27 @@
       </p:sp>
       <p:pic>
         <p:nvPicPr>
-          <p:cNvPr id="16" name="Image 0" descr="/mnt/data/lab2_spectrum.png">    </p:cNvPr>
+          <p:cNvPr id="18" name="Picture 17">
+            <a:extLst>
+              <a:ext uri="{FF2B5EF4-FFF2-40B4-BE49-F238E27FC236}">
+                <a16:creationId xmlns:a16="http://schemas.microsoft.com/office/drawing/2014/main" id="{5EEC7214-864F-492D-B0A2-03D4220A34C4}"/>
+              </a:ext>
+            </a:extLst>
+          </p:cNvPr>
           <p:cNvPicPr>
             <a:picLocks noChangeAspect="1"/>
           </p:cNvPicPr>
           <p:nvPr/>
         </p:nvPicPr>
-        <p:blipFill>
-          <a:blip r:embed="rId1"/>
-          <a:stretch>
-            <a:fillRect/>
-          </a:stretch>
+        <p:blipFill rotWithShape="1">
+          <a:blip r:embed="rId3"/>
+          <a:srcRect l="3704" r="823" b="14114"/>
+          <a:stretch/>
         </p:blipFill>
         <p:spPr>
           <a:xfrm>
-            <a:off x="7006590" y="3108960"/>
-            <a:ext cx="4183380" cy="2788920"/>
+            <a:off x="6670040" y="3227832"/>
+            <a:ext cx="4714240" cy="2500111"/>
           </a:xfrm>
           <a:prstGeom prst="rect">
             <a:avLst/>
@@ -2852,12 +2810,13 @@
 
 <file path=ppt/slides/slide3.xml><?xml version="1.0" encoding="utf-8"?>
 <p:sld xmlns:a="http://schemas.openxmlformats.org/drawingml/2006/main" xmlns:r="http://schemas.openxmlformats.org/officeDocument/2006/relationships" xmlns:p="http://schemas.openxmlformats.org/presentationml/2006/main">
-  <p:cSld name="Slide 3">
+  <p:cSld name="Slide 4">
     <p:bg>
       <p:bgPr>
         <a:solidFill>
           <a:srgbClr val="FFFFFF"/>
         </a:solidFill>
+        <a:effectLst/>
       </p:bgPr>
     </p:bg>
     <p:spTree>
@@ -2920,7 +2879,7 @@
           <a:bodyPr wrap="square" rtlCol="0" anchor="ctr"/>
           <a:lstStyle/>
           <a:p>
-            <a:pPr indent="0" marL="0">
+            <a:pPr marL="0" indent="0">
               <a:buNone/>
             </a:pPr>
             <a:r>
@@ -2932,7 +2891,7 @@
                 <a:ea typeface="Calibri" pitchFamily="34" charset="-122"/>
                 <a:cs typeface="Calibri" pitchFamily="34" charset="-120"/>
               </a:rPr>
-              <a:t>Model 1: rigid rotor (rotation)</a:t>
+              <a:t>Model 2: harmonic oscillator (vibration)</a:t>
             </a:r>
             <a:endParaRPr lang="en-US" sz="2000" dirty="0"/>
           </a:p>
@@ -2959,7 +2918,7 @@
           <a:bodyPr wrap="square" rtlCol="0" anchor="ctr"/>
           <a:lstStyle/>
           <a:p>
-            <a:pPr indent="0" marL="0">
+            <a:pPr marL="0" indent="0">
               <a:buNone/>
             </a:pPr>
             <a:r>
@@ -2971,7 +2930,7 @@
                 <a:ea typeface="Calibri" pitchFamily="34" charset="-122"/>
                 <a:cs typeface="Calibri" pitchFamily="34" charset="-120"/>
               </a:rPr>
-              <a:t>Key idea: rotation levels depend on the moment of inertia, so measuring B̃ gives bond length.</a:t>
+              <a:t>Key idea: IR excites vibration. In the harmonic model, level spacing is constant.</a:t>
             </a:r>
             <a:endParaRPr lang="en-US" sz="1800" dirty="0"/>
           </a:p>
@@ -3002,78 +2961,9 @@
           </a:ln>
         </p:spPr>
       </p:sp>
-      <p:sp>
-        <p:nvSpPr>
-          <p:cNvPr id="6" name="Text 4"/>
-          <p:cNvSpPr/>
-          <p:nvPr/>
-        </p:nvSpPr>
-        <p:spPr>
-          <a:xfrm>
-            <a:off x="1005840" y="1737360"/>
-            <a:ext cx="4846320" cy="320040"/>
-          </a:xfrm>
-          <a:prstGeom prst="rect">
-            <a:avLst/>
-          </a:prstGeom>
-          <a:noFill/>
-          <a:ln/>
-        </p:spPr>
-        <p:txBody>
-          <a:bodyPr wrap="square" rtlCol="0" anchor="ctr"/>
-          <a:lstStyle/>
-          <a:p>
-            <a:pPr indent="0" marL="0">
-              <a:buNone/>
-            </a:pPr>
-            <a:r>
-              <a:rPr lang="en-US" sz="1800" b="1" dirty="0">
-                <a:solidFill>
-                  <a:srgbClr val="0B1F3A"/>
-                </a:solidFill>
-                <a:latin typeface="Calibri" pitchFamily="34" charset="0"/>
-                <a:ea typeface="Calibri" pitchFamily="34" charset="-122"/>
-                <a:cs typeface="Calibri" pitchFamily="34" charset="-120"/>
-              </a:rPr>
-              <a:t>Minimal equations</a:t>
-            </a:r>
-            <a:endParaRPr lang="en-US" sz="1800" dirty="0"/>
-          </a:p>
-        </p:txBody>
-      </p:sp>
       <p:pic>
         <p:nvPicPr>
-          <p:cNvPr id="7" name="Image 0" descr="preencoded.png">    </p:cNvPr>
-          <p:cNvPicPr>
-            <a:picLocks noChangeAspect="1"/>
-          </p:cNvPicPr>
-          <p:nvPr/>
-        </p:nvPicPr>
-        <p:blipFill>
-          <a:blip r:embed="rId1">
-            <a:extLst>
-              <a:ext uri="{96DAC541-7B7A-43D3-8B79-37D633B846F1}">
-                <asvg:svgBlip xmlns:asvg="http://schemas.microsoft.com/office/drawing/2016/SVG/main" r:embed="rId2"/>
-              </a:ext>
-            </a:extLst>
-          </a:blip>
-          <a:stretch>
-            <a:fillRect/>
-          </a:stretch>
-        </p:blipFill>
-        <p:spPr>
-          <a:xfrm>
-            <a:off x="1440180" y="2148840"/>
-            <a:ext cx="4023360" cy="548640"/>
-          </a:xfrm>
-          <a:prstGeom prst="rect">
-            <a:avLst/>
-          </a:prstGeom>
-        </p:spPr>
-      </p:pic>
-      <p:pic>
-        <p:nvPicPr>
-          <p:cNvPr id="8" name="Image 1" descr="preencoded.png">    </p:cNvPr>
+          <p:cNvPr id="7" name="Image 0" descr="preencoded.png"/>
           <p:cNvPicPr>
             <a:picLocks noChangeAspect="1"/>
           </p:cNvPicPr>
@@ -3093,8 +2983,8 @@
         </p:blipFill>
         <p:spPr>
           <a:xfrm>
-            <a:off x="2809550" y="2788920"/>
-            <a:ext cx="1284620" cy="548640"/>
+            <a:off x="1634490" y="1984248"/>
+            <a:ext cx="3634740" cy="594360"/>
           </a:xfrm>
           <a:prstGeom prst="rect">
             <a:avLst/>
@@ -3103,17 +2993,17 @@
       </p:pic>
       <p:pic>
         <p:nvPicPr>
-          <p:cNvPr id="9" name="Image 2" descr="preencoded.png">    </p:cNvPr>
+          <p:cNvPr id="8" name="Image 1" descr="preencoded.png"/>
           <p:cNvPicPr>
             <a:picLocks noChangeAspect="1"/>
           </p:cNvPicPr>
           <p:nvPr/>
         </p:nvPicPr>
         <p:blipFill>
-          <a:blip r:embed="rId5">
+          <a:blip r:embed="rId3">
             <a:extLst>
               <a:ext uri="{96DAC541-7B7A-43D3-8B79-37D633B846F1}">
-                <asvg:svgBlip xmlns:asvg="http://schemas.microsoft.com/office/drawing/2016/SVG/main" r:embed="rId6"/>
+                <asvg:svgBlip xmlns:asvg="http://schemas.microsoft.com/office/drawing/2016/SVG/main" r:embed="rId5"/>
               </a:ext>
             </a:extLst>
           </a:blip>
@@ -3123,8 +3013,8 @@
         </p:blipFill>
         <p:spPr>
           <a:xfrm>
-            <a:off x="2755174" y="3429000"/>
-            <a:ext cx="1393371" cy="457200"/>
+            <a:off x="2859824" y="2906649"/>
+            <a:ext cx="1138351" cy="594360"/>
           </a:xfrm>
           <a:prstGeom prst="rect">
             <a:avLst/>
@@ -3133,13 +3023,13 @@
       </p:pic>
       <p:sp>
         <p:nvSpPr>
-          <p:cNvPr id="10" name="Text 5"/>
-          <p:cNvSpPr/>
-          <p:nvPr/>
-        </p:nvSpPr>
-        <p:spPr>
-          <a:xfrm>
-            <a:off x="1005840" y="4069080"/>
+          <p:cNvPr id="9" name="Text 5"/>
+          <p:cNvSpPr/>
+          <p:nvPr/>
+        </p:nvSpPr>
+        <p:spPr>
+          <a:xfrm>
+            <a:off x="1005840" y="3829050"/>
             <a:ext cx="4846320" cy="274320"/>
           </a:xfrm>
           <a:prstGeom prst="rect">
@@ -3152,7 +3042,7 @@
           <a:bodyPr wrap="square" rtlCol="0" anchor="ctr"/>
           <a:lstStyle/>
           <a:p>
-            <a:pPr indent="0" marL="0">
+            <a:pPr marL="0" indent="0">
               <a:buNone/>
             </a:pPr>
             <a:r>
@@ -3164,7 +3054,7 @@
                 <a:ea typeface="Calibri" pitchFamily="34" charset="-122"/>
                 <a:cs typeface="Calibri" pitchFamily="34" charset="-120"/>
               </a:rPr>
-              <a:t>What you extract from the spectrum:</a:t>
+              <a:t>In a diatomic rovibrational band:</a:t>
             </a:r>
             <a:endParaRPr lang="en-US" sz="1600" dirty="0"/>
           </a:p>
@@ -3172,14 +3062,14 @@
       </p:sp>
       <p:sp>
         <p:nvSpPr>
-          <p:cNvPr id="11" name="Text 6"/>
-          <p:cNvSpPr/>
-          <p:nvPr/>
-        </p:nvSpPr>
-        <p:spPr>
-          <a:xfrm>
-            <a:off x="1188720" y="4389120"/>
-            <a:ext cx="4572000" cy="320040"/>
+          <p:cNvPr id="10" name="Text 6"/>
+          <p:cNvSpPr/>
+          <p:nvPr/>
+        </p:nvSpPr>
+        <p:spPr>
+          <a:xfrm>
+            <a:off x="937260" y="4846320"/>
+            <a:ext cx="5029200" cy="777240"/>
           </a:xfrm>
           <a:prstGeom prst="rect">
             <a:avLst/>
@@ -3191,27 +3081,140 @@
           <a:bodyPr wrap="square" rtlCol="0" anchor="ctr"/>
           <a:lstStyle/>
           <a:p>
-            <a:pPr indent="0" marL="0">
+            <a:pPr marL="0" indent="0">
               <a:buNone/>
             </a:pPr>
             <a:r>
-              <a:rPr lang="en-US" sz="1800" dirty="0">
-                <a:solidFill>
-                  <a:srgbClr val="111827"/>
-                </a:solidFill>
-                <a:latin typeface="Calibri" pitchFamily="34" charset="0"/>
-                <a:ea typeface="Calibri" pitchFamily="34" charset="-122"/>
-                <a:cs typeface="Calibri" pitchFamily="34" charset="-120"/>
-              </a:rPr>
-              <a:t>B̃ → r (via I = μr²)</a:t>
-            </a:r>
-            <a:endParaRPr lang="en-US" sz="1800" dirty="0"/>
-          </a:p>
-        </p:txBody>
-      </p:sp>
-      <p:sp>
-        <p:nvSpPr>
-          <p:cNvPr id="12" name="Shape 7"/>
+              <a:rPr lang="en-US" sz="1600" dirty="0">
+                <a:solidFill>
+                  <a:srgbClr val="374151"/>
+                </a:solidFill>
+                <a:latin typeface="Calibri" pitchFamily="34" charset="0"/>
+                <a:ea typeface="Calibri" pitchFamily="34" charset="-122"/>
+                <a:cs typeface="Calibri" pitchFamily="34" charset="-120"/>
+              </a:rPr>
+              <a:t>• The band is centered near the vibrational wavenumber</a:t>
+            </a:r>
+          </a:p>
+          <a:p>
+            <a:pPr marL="0" indent="0">
+              <a:buNone/>
+            </a:pPr>
+            <a:endParaRPr lang="en-US" sz="1600" dirty="0">
+              <a:solidFill>
+                <a:srgbClr val="374151"/>
+              </a:solidFill>
+              <a:latin typeface="Calibri" pitchFamily="34" charset="0"/>
+              <a:ea typeface="Calibri" pitchFamily="34" charset="-122"/>
+              <a:cs typeface="Calibri" pitchFamily="34" charset="-120"/>
+            </a:endParaRPr>
+          </a:p>
+          <a:p>
+            <a:pPr marL="0" indent="0">
+              <a:buNone/>
+            </a:pPr>
+            <a:r>
+              <a:rPr lang="en-US" sz="1600" dirty="0">
+                <a:solidFill>
+                  <a:srgbClr val="374151"/>
+                </a:solidFill>
+                <a:latin typeface="Calibri" pitchFamily="34" charset="0"/>
+                <a:ea typeface="Calibri" pitchFamily="34" charset="-122"/>
+                <a:cs typeface="Calibri" pitchFamily="34" charset="-120"/>
+              </a:rPr>
+              <a:t>• The fundamental band is </a:t>
+            </a:r>
+            <a:r>
+              <a:rPr lang="el-GR" sz="1600" dirty="0">
+                <a:solidFill>
+                  <a:srgbClr val="374151"/>
+                </a:solidFill>
+                <a:latin typeface="Calibri" pitchFamily="34" charset="0"/>
+                <a:ea typeface="Calibri" pitchFamily="34" charset="-122"/>
+                <a:cs typeface="Calibri" pitchFamily="34" charset="-120"/>
+              </a:rPr>
+              <a:t>Δ</a:t>
+            </a:r>
+            <a:r>
+              <a:rPr lang="en-US" sz="1600" i="1" dirty="0">
+                <a:solidFill>
+                  <a:srgbClr val="374151"/>
+                </a:solidFill>
+                <a:latin typeface="Calibri" pitchFamily="34" charset="0"/>
+                <a:ea typeface="Calibri" pitchFamily="34" charset="-122"/>
+                <a:cs typeface="Calibri" pitchFamily="34" charset="-120"/>
+              </a:rPr>
+              <a:t>v</a:t>
+            </a:r>
+            <a:r>
+              <a:rPr lang="en-US" sz="1600" dirty="0">
+                <a:solidFill>
+                  <a:srgbClr val="374151"/>
+                </a:solidFill>
+                <a:latin typeface="Calibri" pitchFamily="34" charset="0"/>
+                <a:ea typeface="Calibri" pitchFamily="34" charset="-122"/>
+                <a:cs typeface="Calibri" pitchFamily="34" charset="-120"/>
+              </a:rPr>
+              <a:t> = +1</a:t>
+            </a:r>
+          </a:p>
+          <a:p>
+            <a:pPr marL="0" indent="0">
+              <a:buNone/>
+            </a:pPr>
+            <a:endParaRPr lang="en-US" sz="1600" dirty="0">
+              <a:solidFill>
+                <a:srgbClr val="374151"/>
+              </a:solidFill>
+              <a:latin typeface="Calibri" pitchFamily="34" charset="0"/>
+              <a:ea typeface="Calibri" pitchFamily="34" charset="-122"/>
+              <a:cs typeface="Calibri" pitchFamily="34" charset="-120"/>
+            </a:endParaRPr>
+          </a:p>
+          <a:p>
+            <a:pPr marL="0" indent="0">
+              <a:buNone/>
+            </a:pPr>
+            <a:r>
+              <a:rPr lang="en-US" sz="1600" dirty="0">
+                <a:solidFill>
+                  <a:srgbClr val="374151"/>
+                </a:solidFill>
+                <a:latin typeface="Calibri" pitchFamily="34" charset="0"/>
+                <a:ea typeface="Calibri" pitchFamily="34" charset="-122"/>
+                <a:cs typeface="Calibri" pitchFamily="34" charset="-120"/>
+              </a:rPr>
+              <a:t>• Spacing is nearly constant if harmonic</a:t>
+            </a:r>
+          </a:p>
+          <a:p>
+            <a:pPr marL="0" indent="0">
+              <a:buNone/>
+            </a:pPr>
+            <a:endParaRPr lang="en-US" sz="1600" dirty="0"/>
+          </a:p>
+          <a:p>
+            <a:pPr marL="0" indent="0">
+              <a:buNone/>
+            </a:pPr>
+            <a:r>
+              <a:rPr lang="en-US" sz="1600" dirty="0">
+                <a:solidFill>
+                  <a:srgbClr val="374151"/>
+                </a:solidFill>
+                <a:latin typeface="Calibri" pitchFamily="34" charset="0"/>
+                <a:ea typeface="Calibri" pitchFamily="34" charset="-122"/>
+                <a:cs typeface="Calibri" pitchFamily="34" charset="-120"/>
+              </a:rPr>
+              <a:t>• Rotational structure splits it into many lines</a:t>
+            </a:r>
+            <a:endParaRPr lang="en-US" sz="1600" dirty="0"/>
+          </a:p>
+        </p:txBody>
+      </p:sp>
+      <p:sp>
+        <p:nvSpPr>
+          <p:cNvPr id="11" name="Shape 7"/>
           <p:cNvSpPr/>
           <p:nvPr/>
         </p:nvSpPr>
@@ -3233,7 +3236,7 @@
             <a:prstDash val="solid"/>
           </a:ln>
           <a:effectLst>
-            <a:outerShdw sx="100000" sy="100000" kx="0" ky="0" algn="bl" rotWithShape="0" blurRad="25400" dist="19050" dir="2700000">
+            <a:outerShdw blurRad="25400" dist="19050" dir="2700000" algn="bl" rotWithShape="0">
               <a:srgbClr val="000000">
                 <a:alpha val="8000"/>
               </a:srgbClr>
@@ -3243,22 +3246,28 @@
       </p:sp>
       <p:pic>
         <p:nvPicPr>
-          <p:cNvPr id="13" name="Image 3" descr="/mnt/data/lab2_rotation.png">    </p:cNvPr>
+          <p:cNvPr id="14" name="Picture 13">
+            <a:extLst>
+              <a:ext uri="{FF2B5EF4-FFF2-40B4-BE49-F238E27FC236}">
+                <a16:creationId xmlns:a16="http://schemas.microsoft.com/office/drawing/2014/main" id="{D7929B38-81C0-4D37-8364-95D88795DBC4}"/>
+              </a:ext>
+            </a:extLst>
+          </p:cNvPr>
           <p:cNvPicPr>
             <a:picLocks noChangeAspect="1"/>
           </p:cNvPicPr>
           <p:nvPr/>
         </p:nvPicPr>
         <p:blipFill>
-          <a:blip r:embed="rId7"/>
+          <a:blip r:embed="rId6"/>
           <a:stretch>
             <a:fillRect/>
           </a:stretch>
         </p:blipFill>
         <p:spPr>
           <a:xfrm>
-            <a:off x="6629400" y="2476500"/>
-            <a:ext cx="4709160" cy="3139440"/>
+            <a:off x="7192299" y="2223172"/>
+            <a:ext cx="3583361" cy="3646096"/>
           </a:xfrm>
           <a:prstGeom prst="rect">
             <a:avLst/>
@@ -3275,12 +3284,13 @@
 
 <file path=ppt/slides/slide4.xml><?xml version="1.0" encoding="utf-8"?>
 <p:sld xmlns:a="http://schemas.openxmlformats.org/drawingml/2006/main" xmlns:r="http://schemas.openxmlformats.org/officeDocument/2006/relationships" xmlns:p="http://schemas.openxmlformats.org/presentationml/2006/main">
-  <p:cSld name="Slide 4">
+  <p:cSld name="Slide 3">
     <p:bg>
       <p:bgPr>
         <a:solidFill>
           <a:srgbClr val="FFFFFF"/>
         </a:solidFill>
+        <a:effectLst/>
       </p:bgPr>
     </p:bg>
     <p:spTree>
@@ -3343,7 +3353,7 @@
           <a:bodyPr wrap="square" rtlCol="0" anchor="ctr"/>
           <a:lstStyle/>
           <a:p>
-            <a:pPr indent="0" marL="0">
+            <a:pPr marL="0" indent="0">
               <a:buNone/>
             </a:pPr>
             <a:r>
@@ -3355,7 +3365,7 @@
                 <a:ea typeface="Calibri" pitchFamily="34" charset="-122"/>
                 <a:cs typeface="Calibri" pitchFamily="34" charset="-120"/>
               </a:rPr>
-              <a:t>Model 2: harmonic oscillator (vibration)</a:t>
+              <a:t>Model 1: rigid rotor (rotation)</a:t>
             </a:r>
             <a:endParaRPr lang="en-US" sz="2000" dirty="0"/>
           </a:p>
@@ -3382,7 +3392,7 @@
           <a:bodyPr wrap="square" rtlCol="0" anchor="ctr"/>
           <a:lstStyle/>
           <a:p>
-            <a:pPr indent="0" marL="0">
+            <a:pPr marL="0" indent="0">
               <a:buNone/>
             </a:pPr>
             <a:r>
@@ -3394,7 +3404,7 @@
                 <a:ea typeface="Calibri" pitchFamily="34" charset="-122"/>
                 <a:cs typeface="Calibri" pitchFamily="34" charset="-120"/>
               </a:rPr>
-              <a:t>Key idea: IR excites vibration. In the harmonic model, level spacing is constant.</a:t>
+              <a:t>Key idea: rotation levels depend on the moment of inertia, so measuring B̃ gives bond length.</a:t>
             </a:r>
             <a:endParaRPr lang="en-US" sz="1800" dirty="0"/>
           </a:p>
@@ -3424,79 +3434,17 @@
             <a:prstDash val="solid"/>
           </a:ln>
         </p:spPr>
-      </p:sp>
-      <p:sp>
-        <p:nvSpPr>
-          <p:cNvPr id="6" name="Text 4"/>
-          <p:cNvSpPr/>
-          <p:nvPr/>
-        </p:nvSpPr>
-        <p:spPr>
-          <a:xfrm>
-            <a:off x="1005840" y="1737360"/>
-            <a:ext cx="4846320" cy="320040"/>
-          </a:xfrm>
-          <a:prstGeom prst="rect">
-            <a:avLst/>
-          </a:prstGeom>
-          <a:noFill/>
-          <a:ln/>
-        </p:spPr>
-        <p:txBody>
-          <a:bodyPr wrap="square" rtlCol="0" anchor="ctr"/>
-          <a:lstStyle/>
-          <a:p>
-            <a:pPr indent="0" marL="0">
-              <a:buNone/>
-            </a:pPr>
-            <a:r>
-              <a:rPr lang="en-US" sz="1800" b="1" dirty="0">
-                <a:solidFill>
-                  <a:srgbClr val="0B1F3A"/>
-                </a:solidFill>
-                <a:latin typeface="Calibri" pitchFamily="34" charset="0"/>
-                <a:ea typeface="Calibri" pitchFamily="34" charset="-122"/>
-                <a:cs typeface="Calibri" pitchFamily="34" charset="-120"/>
-              </a:rPr>
-              <a:t>Minimal equations</a:t>
-            </a:r>
-            <a:endParaRPr lang="en-US" sz="1800" dirty="0"/>
+        <p:txBody>
+          <a:bodyPr/>
+          <a:lstStyle/>
+          <a:p>
+            <a:endParaRPr lang="en-SE" dirty="0"/>
           </a:p>
         </p:txBody>
       </p:sp>
       <p:pic>
         <p:nvPicPr>
-          <p:cNvPr id="7" name="Image 0" descr="preencoded.png">    </p:cNvPr>
-          <p:cNvPicPr>
-            <a:picLocks noChangeAspect="1"/>
-          </p:cNvPicPr>
-          <p:nvPr/>
-        </p:nvPicPr>
-        <p:blipFill>
-          <a:blip r:embed="rId1">
-            <a:extLst>
-              <a:ext uri="{96DAC541-7B7A-43D3-8B79-37D633B846F1}">
-                <asvg:svgBlip xmlns:asvg="http://schemas.microsoft.com/office/drawing/2016/SVG/main" r:embed="rId2"/>
-              </a:ext>
-            </a:extLst>
-          </a:blip>
-          <a:stretch>
-            <a:fillRect/>
-          </a:stretch>
-        </p:blipFill>
-        <p:spPr>
-          <a:xfrm>
-            <a:off x="1634490" y="2148840"/>
-            <a:ext cx="3634740" cy="594360"/>
-          </a:xfrm>
-          <a:prstGeom prst="rect">
-            <a:avLst/>
-          </a:prstGeom>
-        </p:spPr>
-      </p:pic>
-      <p:pic>
-        <p:nvPicPr>
-          <p:cNvPr id="8" name="Image 1" descr="preencoded.png">    </p:cNvPr>
+          <p:cNvPr id="7" name="Image 0" descr="preencoded.png"/>
           <p:cNvPicPr>
             <a:picLocks noChangeAspect="1"/>
           </p:cNvPicPr>
@@ -3516,112 +3464,77 @@
         </p:blipFill>
         <p:spPr>
           <a:xfrm>
-            <a:off x="2882685" y="2834640"/>
-            <a:ext cx="1138351" cy="594360"/>
+            <a:off x="1440180" y="2289453"/>
+            <a:ext cx="4023360" cy="548640"/>
           </a:xfrm>
           <a:prstGeom prst="rect">
             <a:avLst/>
           </a:prstGeom>
         </p:spPr>
       </p:pic>
-      <p:sp>
-        <p:nvSpPr>
-          <p:cNvPr id="9" name="Text 5"/>
-          <p:cNvSpPr/>
-          <p:nvPr/>
-        </p:nvSpPr>
-        <p:spPr>
-          <a:xfrm>
-            <a:off x="1005840" y="3749040"/>
-            <a:ext cx="4846320" cy="274320"/>
-          </a:xfrm>
-          <a:prstGeom prst="rect">
-            <a:avLst/>
-          </a:prstGeom>
-          <a:noFill/>
-          <a:ln/>
-        </p:spPr>
-        <p:txBody>
-          <a:bodyPr wrap="square" rtlCol="0" anchor="ctr"/>
-          <a:lstStyle/>
-          <a:p>
-            <a:pPr indent="0" marL="0">
-              <a:buNone/>
-            </a:pPr>
-            <a:r>
-              <a:rPr lang="en-US" sz="1600" b="1" dirty="0">
-                <a:solidFill>
-                  <a:srgbClr val="374151"/>
-                </a:solidFill>
-                <a:latin typeface="Calibri" pitchFamily="34" charset="0"/>
-                <a:ea typeface="Calibri" pitchFamily="34" charset="-122"/>
-                <a:cs typeface="Calibri" pitchFamily="34" charset="-120"/>
-              </a:rPr>
-              <a:t>In a diatomic rovibrational band:</a:t>
-            </a:r>
-            <a:endParaRPr lang="en-US" sz="1600" dirty="0"/>
-          </a:p>
-        </p:txBody>
-      </p:sp>
-      <p:sp>
-        <p:nvSpPr>
-          <p:cNvPr id="10" name="Text 6"/>
-          <p:cNvSpPr/>
-          <p:nvPr/>
-        </p:nvSpPr>
-        <p:spPr>
-          <a:xfrm>
-            <a:off x="1005840" y="4069080"/>
-            <a:ext cx="5029200" cy="777240"/>
-          </a:xfrm>
-          <a:prstGeom prst="rect">
-            <a:avLst/>
-          </a:prstGeom>
-          <a:noFill/>
-          <a:ln/>
-        </p:spPr>
-        <p:txBody>
-          <a:bodyPr wrap="square" rtlCol="0" anchor="ctr"/>
-          <a:lstStyle/>
-          <a:p>
-            <a:pPr indent="0" marL="0">
-              <a:buNone/>
-            </a:pPr>
-            <a:r>
-              <a:rPr lang="en-US" sz="1600" dirty="0">
-                <a:solidFill>
-                  <a:srgbClr val="374151"/>
-                </a:solidFill>
-                <a:latin typeface="Calibri" pitchFamily="34" charset="0"/>
-                <a:ea typeface="Calibri" pitchFamily="34" charset="-122"/>
-                <a:cs typeface="Calibri" pitchFamily="34" charset="-120"/>
-              </a:rPr>
-              <a:t>• The band is centered near the vibrational wavenumber</a:t>
-            </a:r>
-            <a:endParaRPr lang="en-US" sz="1600" dirty="0"/>
-          </a:p>
-          <a:p>
-            <a:pPr indent="0" marL="0">
-              <a:buNone/>
-            </a:pPr>
-            <a:r>
-              <a:rPr lang="en-US" sz="1600" dirty="0">
-                <a:solidFill>
-                  <a:srgbClr val="374151"/>
-                </a:solidFill>
-                <a:latin typeface="Calibri" pitchFamily="34" charset="0"/>
-                <a:ea typeface="Calibri" pitchFamily="34" charset="-122"/>
-                <a:cs typeface="Calibri" pitchFamily="34" charset="-120"/>
-              </a:rPr>
-              <a:t>• Rotational structure splits it into many lines</a:t>
-            </a:r>
-            <a:endParaRPr lang="en-US" sz="1600" dirty="0"/>
-          </a:p>
-        </p:txBody>
-      </p:sp>
-      <p:sp>
-        <p:nvSpPr>
-          <p:cNvPr id="11" name="Shape 7"/>
+      <p:pic>
+        <p:nvPicPr>
+          <p:cNvPr id="8" name="Image 1" descr="preencoded.png"/>
+          <p:cNvPicPr>
+            <a:picLocks noChangeAspect="1"/>
+          </p:cNvPicPr>
+          <p:nvPr/>
+        </p:nvPicPr>
+        <p:blipFill>
+          <a:blip r:embed="rId3">
+            <a:extLst>
+              <a:ext uri="{96DAC541-7B7A-43D3-8B79-37D633B846F1}">
+                <asvg:svgBlip xmlns:asvg="http://schemas.microsoft.com/office/drawing/2016/SVG/main" r:embed="rId5"/>
+              </a:ext>
+            </a:extLst>
+          </a:blip>
+          <a:stretch>
+            <a:fillRect/>
+          </a:stretch>
+        </p:blipFill>
+        <p:spPr>
+          <a:xfrm>
+            <a:off x="1440180" y="3383602"/>
+            <a:ext cx="1659301" cy="708660"/>
+          </a:xfrm>
+          <a:prstGeom prst="rect">
+            <a:avLst/>
+          </a:prstGeom>
+        </p:spPr>
+      </p:pic>
+      <p:pic>
+        <p:nvPicPr>
+          <p:cNvPr id="9" name="Image 2" descr="preencoded.png"/>
+          <p:cNvPicPr>
+            <a:picLocks noChangeAspect="1"/>
+          </p:cNvPicPr>
+          <p:nvPr/>
+        </p:nvPicPr>
+        <p:blipFill>
+          <a:blip r:embed="rId3">
+            <a:extLst>
+              <a:ext uri="{96DAC541-7B7A-43D3-8B79-37D633B846F1}">
+                <asvg:svgBlip xmlns:asvg="http://schemas.microsoft.com/office/drawing/2016/SVG/main" r:embed="rId6"/>
+              </a:ext>
+            </a:extLst>
+          </a:blip>
+          <a:stretch>
+            <a:fillRect/>
+          </a:stretch>
+        </p:blipFill>
+        <p:spPr>
+          <a:xfrm>
+            <a:off x="3955901" y="3509332"/>
+            <a:ext cx="1393371" cy="457200"/>
+          </a:xfrm>
+          <a:prstGeom prst="rect">
+            <a:avLst/>
+          </a:prstGeom>
+        </p:spPr>
+      </p:pic>
+      <p:sp>
+        <p:nvSpPr>
+          <p:cNvPr id="12" name="Shape 7"/>
           <p:cNvSpPr/>
           <p:nvPr/>
         </p:nvSpPr>
@@ -3643,7 +3556,7 @@
             <a:prstDash val="solid"/>
           </a:ln>
           <a:effectLst>
-            <a:outerShdw sx="100000" sy="100000" kx="0" ky="0" algn="bl" rotWithShape="0" blurRad="25400" dist="19050" dir="2700000">
+            <a:outerShdw blurRad="25400" dist="19050" dir="2700000" algn="bl" rotWithShape="0">
               <a:srgbClr val="000000">
                 <a:alpha val="8000"/>
               </a:srgbClr>
@@ -3653,28 +3566,154 @@
       </p:sp>
       <p:pic>
         <p:nvPicPr>
-          <p:cNvPr id="12" name="Image 2" descr="/mnt/data/lab2_vibration.png">    </p:cNvPr>
+          <p:cNvPr id="15" name="Picture 14">
+            <a:extLst>
+              <a:ext uri="{FF2B5EF4-FFF2-40B4-BE49-F238E27FC236}">
+                <a16:creationId xmlns:a16="http://schemas.microsoft.com/office/drawing/2014/main" id="{F49EF631-DF68-4CF2-B227-6EF4C50B6C2B}"/>
+              </a:ext>
+            </a:extLst>
+          </p:cNvPr>
           <p:cNvPicPr>
             <a:picLocks noChangeAspect="1"/>
           </p:cNvPicPr>
           <p:nvPr/>
         </p:nvPicPr>
         <p:blipFill>
-          <a:blip r:embed="rId5"/>
+          <a:blip r:embed="rId7"/>
           <a:stretch>
             <a:fillRect/>
           </a:stretch>
         </p:blipFill>
         <p:spPr>
           <a:xfrm>
-            <a:off x="6629400" y="2476500"/>
-            <a:ext cx="4709160" cy="3139440"/>
+            <a:off x="7102928" y="2264006"/>
+            <a:ext cx="3762104" cy="3832673"/>
           </a:xfrm>
           <a:prstGeom prst="rect">
             <a:avLst/>
           </a:prstGeom>
         </p:spPr>
       </p:pic>
+      <p:sp>
+        <p:nvSpPr>
+          <p:cNvPr id="17" name="TextBox 16">
+            <a:extLst>
+              <a:ext uri="{FF2B5EF4-FFF2-40B4-BE49-F238E27FC236}">
+                <a16:creationId xmlns:a16="http://schemas.microsoft.com/office/drawing/2014/main" id="{1B3D589F-E3DD-4FB1-94AF-9CBF24024467}"/>
+              </a:ext>
+            </a:extLst>
+          </p:cNvPr>
+          <p:cNvSpPr txBox="1"/>
+          <p:nvPr/>
+        </p:nvSpPr>
+        <p:spPr>
+          <a:xfrm>
+            <a:off x="1002310" y="4864398"/>
+            <a:ext cx="6100618" cy="923330"/>
+          </a:xfrm>
+          <a:prstGeom prst="rect">
+            <a:avLst/>
+          </a:prstGeom>
+          <a:noFill/>
+        </p:spPr>
+        <p:txBody>
+          <a:bodyPr wrap="square">
+            <a:spAutoFit/>
+          </a:bodyPr>
+          <a:lstStyle/>
+          <a:p>
+            <a:r>
+              <a:rPr lang="en-US" sz="1800" dirty="0">
+                <a:solidFill>
+                  <a:srgbClr val="374151"/>
+                </a:solidFill>
+                <a:latin typeface="Calibri" pitchFamily="34" charset="0"/>
+                <a:ea typeface="Calibri" pitchFamily="34" charset="-122"/>
+                <a:cs typeface="Calibri" pitchFamily="34" charset="-120"/>
+              </a:rPr>
+              <a:t>• Rotational spacing grows with </a:t>
+            </a:r>
+            <a:r>
+              <a:rPr lang="en-US" sz="1800" i="1" dirty="0">
+                <a:solidFill>
+                  <a:srgbClr val="374151"/>
+                </a:solidFill>
+                <a:latin typeface="Calibri" pitchFamily="34" charset="0"/>
+                <a:ea typeface="Calibri" pitchFamily="34" charset="-122"/>
+                <a:cs typeface="Calibri" pitchFamily="34" charset="-120"/>
+              </a:rPr>
+              <a:t>J</a:t>
+            </a:r>
+          </a:p>
+          <a:p>
+            <a:endParaRPr lang="en-US" i="1" dirty="0">
+              <a:solidFill>
+                <a:srgbClr val="374151"/>
+              </a:solidFill>
+              <a:latin typeface="Calibri" pitchFamily="34" charset="0"/>
+              <a:ea typeface="Calibri" pitchFamily="34" charset="-122"/>
+              <a:cs typeface="Calibri" pitchFamily="34" charset="-120"/>
+            </a:endParaRPr>
+          </a:p>
+          <a:p>
+            <a:r>
+              <a:rPr lang="en-US" sz="1800">
+                <a:solidFill>
+                  <a:srgbClr val="374151"/>
+                </a:solidFill>
+                <a:latin typeface="Calibri" pitchFamily="34" charset="0"/>
+                <a:ea typeface="Calibri" pitchFamily="34" charset="-122"/>
+                <a:cs typeface="Calibri" pitchFamily="34" charset="-120"/>
+              </a:rPr>
+              <a:t>• Selection for </a:t>
+            </a:r>
+            <a:r>
+              <a:rPr lang="el-GR" sz="1800">
+                <a:solidFill>
+                  <a:srgbClr val="374151"/>
+                </a:solidFill>
+                <a:latin typeface="Calibri" pitchFamily="34" charset="0"/>
+                <a:ea typeface="Calibri" pitchFamily="34" charset="-122"/>
+                <a:cs typeface="Calibri" pitchFamily="34" charset="-120"/>
+              </a:rPr>
+              <a:t>Δ</a:t>
+            </a:r>
+            <a:r>
+              <a:rPr lang="en-US" sz="1800" dirty="0">
+                <a:solidFill>
+                  <a:srgbClr val="374151"/>
+                </a:solidFill>
+                <a:latin typeface="Calibri" pitchFamily="34" charset="0"/>
+                <a:ea typeface="Calibri" pitchFamily="34" charset="-122"/>
+                <a:cs typeface="Calibri" pitchFamily="34" charset="-120"/>
+              </a:rPr>
+              <a:t> </a:t>
+            </a:r>
+            <a:r>
+              <a:rPr lang="en-US" i="1" dirty="0">
+                <a:solidFill>
+                  <a:srgbClr val="374151"/>
+                </a:solidFill>
+                <a:latin typeface="Calibri" pitchFamily="34" charset="0"/>
+                <a:ea typeface="Calibri" pitchFamily="34" charset="-122"/>
+                <a:cs typeface="Calibri" pitchFamily="34" charset="-120"/>
+              </a:rPr>
+              <a:t>J</a:t>
+            </a:r>
+            <a:r>
+              <a:rPr lang="en-US" sz="1800" dirty="0">
+                <a:solidFill>
+                  <a:srgbClr val="374151"/>
+                </a:solidFill>
+                <a:latin typeface="Calibri" pitchFamily="34" charset="0"/>
+                <a:ea typeface="Calibri" pitchFamily="34" charset="-122"/>
+                <a:cs typeface="Calibri" pitchFamily="34" charset="-120"/>
+              </a:rPr>
+              <a:t> = ±1</a:t>
+            </a:r>
+          </a:p>
+        </p:txBody>
+      </p:sp>
     </p:spTree>
   </p:cSld>
   <p:clrMapOvr>
@@ -3691,6 +3730,7 @@
         <a:solidFill>
           <a:srgbClr val="FFFFFF"/>
         </a:solidFill>
+        <a:effectLst/>
       </p:bgPr>
     </p:bg>
     <p:spTree>
@@ -3753,7 +3793,7 @@
           <a:bodyPr wrap="square" rtlCol="0" anchor="ctr"/>
           <a:lstStyle/>
           <a:p>
-            <a:pPr indent="0" marL="0">
+            <a:pPr marL="0" indent="0">
               <a:buNone/>
             </a:pPr>
             <a:r>
@@ -3779,7 +3819,7 @@
         </p:nvSpPr>
         <p:spPr>
           <a:xfrm>
-            <a:off x="731520" y="960120"/>
+            <a:off x="685800" y="1551247"/>
             <a:ext cx="5394960" cy="1965960"/>
           </a:xfrm>
           <a:prstGeom prst="rect">
@@ -3798,7 +3838,7 @@
           <a:bodyPr wrap="square" lIns="177800" tIns="177800" rIns="177800" bIns="177800" rtlCol="0" anchor="ctr"/>
           <a:lstStyle/>
           <a:p>
-            <a:pPr indent="0" marL="0">
+            <a:pPr marL="0" indent="0">
               <a:buNone/>
             </a:pPr>
             <a:r>
@@ -3813,9 +3853,6 @@
               <a:t>Fundamental band (dominant)
 </a:t>
             </a:r>
-            <a:pPr indent="0" marL="0">
-              <a:buNone/>
-            </a:pPr>
             <a:r>
               <a:rPr lang="en-US" sz="1800" b="1" dirty="0">
                 <a:solidFill>
@@ -3828,9 +3865,6 @@
               <a:t>Δv = +1,  ΔJ = ±1
 </a:t>
             </a:r>
-            <a:pPr indent="0" marL="0">
-              <a:buNone/>
-            </a:pPr>
             <a:r>
               <a:rPr lang="en-US" sz="1600" dirty="0">
                 <a:solidFill>
@@ -3845,7 +3879,7 @@
             <a:endParaRPr lang="en-US" sz="1800" dirty="0"/>
           </a:p>
           <a:p>
-            <a:pPr indent="0" marL="0">
+            <a:pPr marL="0" indent="0">
               <a:buNone/>
             </a:pPr>
             <a:r>
@@ -3887,7 +3921,7 @@
             <a:prstDash val="solid"/>
           </a:ln>
           <a:effectLst>
-            <a:outerShdw sx="100000" sy="100000" kx="0" ky="0" algn="bl" rotWithShape="0" blurRad="25400" dist="19050" dir="2700000">
+            <a:outerShdw blurRad="25400" dist="19050" dir="2700000" algn="bl" rotWithShape="0">
               <a:srgbClr val="000000">
                 <a:alpha val="8000"/>
               </a:srgbClr>
@@ -3897,22 +3931,21 @@
       </p:sp>
       <p:pic>
         <p:nvPicPr>
-          <p:cNvPr id="6" name="Image 0" descr="/mnt/data/lab2_spectrum.png">    </p:cNvPr>
+          <p:cNvPr id="6" name="Image 0" descr="/mnt/data/lab2_spectrum.png"/>
           <p:cNvPicPr>
             <a:picLocks noChangeAspect="1"/>
           </p:cNvPicPr>
           <p:nvPr/>
         </p:nvPicPr>
-        <p:blipFill>
-          <a:blip r:embed="rId1"/>
-          <a:stretch>
-            <a:fillRect/>
-          </a:stretch>
+        <p:blipFill rotWithShape="1">
+          <a:blip r:embed="rId3"/>
+          <a:srcRect l="1618" t="7819" r="22477" b="18336"/>
+          <a:stretch/>
         </p:blipFill>
         <p:spPr>
           <a:xfrm>
-            <a:off x="6629400" y="2156460"/>
-            <a:ext cx="4709160" cy="3139440"/>
+            <a:off x="6854997" y="2064800"/>
+            <a:ext cx="4478735" cy="2904814"/>
           </a:xfrm>
           <a:prstGeom prst="rect">
             <a:avLst/>
@@ -3927,7 +3960,7 @@
         </p:nvSpPr>
         <p:spPr>
           <a:xfrm>
-            <a:off x="731520" y="3063240"/>
+            <a:off x="685800" y="4143894"/>
             <a:ext cx="5394960" cy="502920"/>
           </a:xfrm>
           <a:prstGeom prst="rect">
@@ -3940,7 +3973,7 @@
           <a:bodyPr wrap="square" rtlCol="0" anchor="ctr"/>
           <a:lstStyle/>
           <a:p>
-            <a:pPr indent="0" marL="0">
+            <a:pPr marL="0" indent="0">
               <a:buNone/>
             </a:pPr>
             <a:r>
@@ -3966,7 +3999,7 @@
         </p:nvSpPr>
         <p:spPr>
           <a:xfrm>
-            <a:off x="731520" y="3703320"/>
+            <a:off x="685800" y="5067300"/>
             <a:ext cx="5394960" cy="457200"/>
           </a:xfrm>
           <a:prstGeom prst="rect">
@@ -3979,7 +4012,7 @@
           <a:bodyPr wrap="square" rtlCol="0" anchor="ctr"/>
           <a:lstStyle/>
           <a:p>
-            <a:pPr indent="0" marL="0">
+            <a:pPr marL="0" indent="0">
               <a:buNone/>
             </a:pPr>
             <a:r>
@@ -4013,6 +4046,7 @@
         <a:solidFill>
           <a:srgbClr val="FFFFFF"/>
         </a:solidFill>
+        <a:effectLst/>
       </p:bgPr>
     </p:bg>
     <p:spTree>
@@ -4075,7 +4109,7 @@
           <a:bodyPr wrap="square" rtlCol="0" anchor="ctr"/>
           <a:lstStyle/>
           <a:p>
-            <a:pPr indent="0" marL="0">
+            <a:pPr marL="0" indent="0">
               <a:buNone/>
             </a:pPr>
             <a:r>
@@ -4139,7 +4173,7 @@
           <a:bodyPr wrap="square" rtlCol="0" anchor="ctr"/>
           <a:lstStyle/>
           <a:p>
-            <a:pPr indent="0" marL="0">
+            <a:pPr marL="0" indent="0">
               <a:buNone/>
             </a:pPr>
             <a:r>
@@ -4178,7 +4212,7 @@
           <a:bodyPr wrap="square" rtlCol="0" anchor="ctr"/>
           <a:lstStyle/>
           <a:p>
-            <a:pPr indent="0" marL="0">
+            <a:pPr marL="0" indent="0">
               <a:buNone/>
             </a:pPr>
             <a:r>
@@ -4195,7 +4229,7 @@
             <a:endParaRPr lang="en-US" sz="1600" dirty="0"/>
           </a:p>
           <a:p>
-            <a:pPr indent="0" marL="0">
+            <a:pPr marL="0" indent="0">
               <a:buNone/>
             </a:pPr>
             <a:r>
@@ -4234,7 +4268,7 @@
           <a:bodyPr wrap="square" rtlCol="0" anchor="ctr"/>
           <a:lstStyle/>
           <a:p>
-            <a:pPr indent="0" marL="0">
+            <a:pPr marL="0" indent="0">
               <a:buNone/>
             </a:pPr>
             <a:r>
@@ -4252,66 +4286,6 @@
           </a:p>
         </p:txBody>
       </p:sp>
-      <p:pic>
-        <p:nvPicPr>
-          <p:cNvPr id="8" name="Image 0" descr="preencoded.png">    </p:cNvPr>
-          <p:cNvPicPr>
-            <a:picLocks noChangeAspect="1"/>
-          </p:cNvPicPr>
-          <p:nvPr/>
-        </p:nvPicPr>
-        <p:blipFill>
-          <a:blip r:embed="rId1">
-            <a:extLst>
-              <a:ext uri="{96DAC541-7B7A-43D3-8B79-37D633B846F1}">
-                <asvg:svgBlip xmlns:asvg="http://schemas.microsoft.com/office/drawing/2016/SVG/main" r:embed="rId2"/>
-              </a:ext>
-            </a:extLst>
-          </a:blip>
-          <a:stretch>
-            <a:fillRect/>
-          </a:stretch>
-        </p:blipFill>
-        <p:spPr>
-          <a:xfrm>
-            <a:off x="960120" y="2786995"/>
-            <a:ext cx="5349240" cy="506770"/>
-          </a:xfrm>
-          <a:prstGeom prst="rect">
-            <a:avLst/>
-          </a:prstGeom>
-        </p:spPr>
-      </p:pic>
-      <p:pic>
-        <p:nvPicPr>
-          <p:cNvPr id="9" name="Image 1" descr="preencoded.png">    </p:cNvPr>
-          <p:cNvPicPr>
-            <a:picLocks noChangeAspect="1"/>
-          </p:cNvPicPr>
-          <p:nvPr/>
-        </p:nvPicPr>
-        <p:blipFill>
-          <a:blip r:embed="rId3">
-            <a:extLst>
-              <a:ext uri="{96DAC541-7B7A-43D3-8B79-37D633B846F1}">
-                <asvg:svgBlip xmlns:asvg="http://schemas.microsoft.com/office/drawing/2016/SVG/main" r:embed="rId4"/>
-              </a:ext>
-            </a:extLst>
-          </a:blip>
-          <a:stretch>
-            <a:fillRect/>
-          </a:stretch>
-        </p:blipFill>
-        <p:spPr>
-          <a:xfrm>
-            <a:off x="1208063" y="3474720"/>
-            <a:ext cx="4853354" cy="685800"/>
-          </a:xfrm>
-          <a:prstGeom prst="rect">
-            <a:avLst/>
-          </a:prstGeom>
-        </p:spPr>
-      </p:pic>
       <p:sp>
         <p:nvSpPr>
           <p:cNvPr id="10" name="Shape 6"/>
@@ -4320,7 +4294,7 @@
         </p:nvSpPr>
         <p:spPr>
           <a:xfrm>
-            <a:off x="1005840" y="4343400"/>
+            <a:off x="1005840" y="5028238"/>
             <a:ext cx="5303520" cy="1097280"/>
           </a:xfrm>
           <a:prstGeom prst="roundRect">
@@ -4345,7 +4319,7 @@
         </p:nvSpPr>
         <p:spPr>
           <a:xfrm>
-            <a:off x="1234440" y="4480560"/>
+            <a:off x="1234440" y="5165398"/>
             <a:ext cx="4754880" cy="274320"/>
           </a:xfrm>
           <a:prstGeom prst="rect">
@@ -4358,7 +4332,7 @@
           <a:bodyPr wrap="square" rtlCol="0" anchor="ctr"/>
           <a:lstStyle/>
           <a:p>
-            <a:pPr indent="0" marL="0">
+            <a:pPr marL="0" indent="0">
               <a:buNone/>
             </a:pPr>
             <a:r>
@@ -4384,7 +4358,7 @@
         </p:nvSpPr>
         <p:spPr>
           <a:xfrm>
-            <a:off x="1234440" y="4754880"/>
+            <a:off x="1234440" y="5439718"/>
             <a:ext cx="4754880" cy="365760"/>
           </a:xfrm>
           <a:prstGeom prst="rect">
@@ -4397,7 +4371,7 @@
           <a:bodyPr wrap="square" rtlCol="0" anchor="ctr"/>
           <a:lstStyle/>
           <a:p>
-            <a:pPr indent="0" marL="0">
+            <a:pPr marL="0" indent="0">
               <a:buNone/>
             </a:pPr>
             <a:r>
@@ -4439,7 +4413,7 @@
             <a:prstDash val="solid"/>
           </a:ln>
           <a:effectLst>
-            <a:outerShdw sx="100000" sy="100000" kx="0" ky="0" algn="bl" rotWithShape="0" blurRad="25400" dist="19050" dir="2700000">
+            <a:outerShdw blurRad="25400" dist="19050" dir="2700000" algn="bl" rotWithShape="0">
               <a:srgbClr val="000000">
                 <a:alpha val="8000"/>
               </a:srgbClr>
@@ -4449,28 +4423,659 @@
       </p:sp>
       <p:pic>
         <p:nvPicPr>
-          <p:cNvPr id="14" name="Image 2" descr="/mnt/data/lab2_anharmonic.png">    </p:cNvPr>
+          <p:cNvPr id="16" name="Picture 15">
+            <a:extLst>
+              <a:ext uri="{FF2B5EF4-FFF2-40B4-BE49-F238E27FC236}">
+                <a16:creationId xmlns:a16="http://schemas.microsoft.com/office/drawing/2014/main" id="{FD391D30-DC5E-485C-B6F9-97914225D686}"/>
+              </a:ext>
+            </a:extLst>
+          </p:cNvPr>
           <p:cNvPicPr>
             <a:picLocks noChangeAspect="1"/>
           </p:cNvPicPr>
           <p:nvPr/>
         </p:nvPicPr>
         <p:blipFill>
-          <a:blip r:embed="rId5"/>
+          <a:blip r:embed="rId3"/>
           <a:stretch>
             <a:fillRect/>
           </a:stretch>
         </p:blipFill>
         <p:spPr>
           <a:xfrm>
-            <a:off x="6766560" y="2263140"/>
-            <a:ext cx="4526280" cy="3017520"/>
+            <a:off x="7142327" y="2404687"/>
+            <a:ext cx="3841610" cy="2775123"/>
           </a:xfrm>
           <a:prstGeom prst="rect">
             <a:avLst/>
           </a:prstGeom>
         </p:spPr>
       </p:pic>
+      <mc:AlternateContent xmlns:mc="http://schemas.openxmlformats.org/markup-compatibility/2006">
+        <mc:Choice xmlns:a14="http://schemas.microsoft.com/office/drawing/2010/main" Requires="a14">
+          <p:sp>
+            <p:nvSpPr>
+              <p:cNvPr id="17" name="TextBox 16">
+                <a:extLst>
+                  <a:ext uri="{FF2B5EF4-FFF2-40B4-BE49-F238E27FC236}">
+                    <a16:creationId xmlns:a16="http://schemas.microsoft.com/office/drawing/2014/main" id="{E558EE70-7D3C-4561-98C0-6028D33AB423}"/>
+                  </a:ext>
+                </a:extLst>
+              </p:cNvPr>
+              <p:cNvSpPr txBox="1"/>
+              <p:nvPr/>
+            </p:nvSpPr>
+            <p:spPr>
+              <a:xfrm>
+                <a:off x="1289685" y="2816855"/>
+                <a:ext cx="4203202" cy="725070"/>
+              </a:xfrm>
+              <a:prstGeom prst="rect">
+                <a:avLst/>
+              </a:prstGeom>
+              <a:noFill/>
+            </p:spPr>
+            <p:txBody>
+              <a:bodyPr wrap="none" lIns="0" tIns="0" rIns="0" bIns="0" rtlCol="0">
+                <a:spAutoFit/>
+              </a:bodyPr>
+              <a:lstStyle/>
+              <a:p>
+                <a14:m>
+                  <m:oMathPara xmlns:m="http://schemas.openxmlformats.org/officeDocument/2006/math">
+                    <m:oMathParaPr>
+                      <m:jc m:val="centerGroup"/>
+                    </m:oMathParaPr>
+                    <m:oMath xmlns:m="http://schemas.openxmlformats.org/officeDocument/2006/math">
+                      <m:sSub>
+                        <m:sSubPr>
+                          <m:ctrlPr>
+                            <a:rPr lang="en-US" b="0" i="1" smtClean="0">
+                              <a:latin typeface="Cambria Math" panose="02040503050406030204" pitchFamily="18" charset="0"/>
+                            </a:rPr>
+                          </m:ctrlPr>
+                        </m:sSubPr>
+                        <m:e>
+                          <m:r>
+                            <a:rPr lang="en-US" b="0" i="1" smtClean="0">
+                              <a:latin typeface="Cambria Math" panose="02040503050406030204" pitchFamily="18" charset="0"/>
+                            </a:rPr>
+                            <m:t>𝐸</m:t>
+                          </m:r>
+                        </m:e>
+                        <m:sub>
+                          <m:r>
+                            <a:rPr lang="en-US" b="0" i="1" smtClean="0">
+                              <a:latin typeface="Cambria Math" panose="02040503050406030204" pitchFamily="18" charset="0"/>
+                            </a:rPr>
+                            <m:t>𝑣</m:t>
+                          </m:r>
+                          <m:r>
+                            <a:rPr lang="en-US" b="0" i="1" smtClean="0">
+                              <a:latin typeface="Cambria Math" panose="02040503050406030204" pitchFamily="18" charset="0"/>
+                            </a:rPr>
+                            <m:t>,</m:t>
+                          </m:r>
+                          <m:r>
+                            <a:rPr lang="en-US" b="0" i="1" smtClean="0">
+                              <a:latin typeface="Cambria Math" panose="02040503050406030204" pitchFamily="18" charset="0"/>
+                            </a:rPr>
+                            <m:t>𝐽</m:t>
+                          </m:r>
+                        </m:sub>
+                      </m:sSub>
+                      <m:r>
+                        <a:rPr lang="en-US" b="0" i="1" smtClean="0">
+                          <a:latin typeface="Cambria Math" panose="02040503050406030204" pitchFamily="18" charset="0"/>
+                        </a:rPr>
+                        <m:t>≈</m:t>
+                      </m:r>
+                      <m:r>
+                        <a:rPr lang="en-US" b="0" i="1" smtClean="0">
+                          <a:latin typeface="Cambria Math" panose="02040503050406030204" pitchFamily="18" charset="0"/>
+                        </a:rPr>
+                        <m:t>h𝑐</m:t>
+                      </m:r>
+                      <m:d>
+                        <m:dPr>
+                          <m:begChr m:val="["/>
+                          <m:endChr m:val="]"/>
+                          <m:ctrlPr>
+                            <a:rPr lang="en-US" b="0" i="1" smtClean="0">
+                              <a:latin typeface="Cambria Math" panose="02040503050406030204" pitchFamily="18" charset="0"/>
+                            </a:rPr>
+                          </m:ctrlPr>
+                        </m:dPr>
+                        <m:e>
+                          <m:sSubSup>
+                            <m:sSubSupPr>
+                              <m:ctrlPr>
+                                <a:rPr lang="en-US" b="0" i="1" smtClean="0">
+                                  <a:latin typeface="Cambria Math" panose="02040503050406030204" pitchFamily="18" charset="0"/>
+                                </a:rPr>
+                              </m:ctrlPr>
+                            </m:sSubSupPr>
+                            <m:e>
+                              <m:r>
+                                <a:rPr lang="en-US" b="0" i="1" smtClean="0">
+                                  <a:latin typeface="Cambria Math" panose="02040503050406030204" pitchFamily="18" charset="0"/>
+                                </a:rPr>
+                                <m:t>𝜈</m:t>
+                              </m:r>
+                            </m:e>
+                            <m:sub>
+                              <m:r>
+                                <a:rPr lang="en-US" b="0" i="1" smtClean="0">
+                                  <a:latin typeface="Cambria Math" panose="02040503050406030204" pitchFamily="18" charset="0"/>
+                                </a:rPr>
+                                <m:t>𝑒</m:t>
+                              </m:r>
+                            </m:sub>
+                            <m:sup>
+                              <m:r>
+                                <a:rPr lang="en-US" b="0" i="1" smtClean="0">
+                                  <a:latin typeface="Cambria Math" panose="02040503050406030204" pitchFamily="18" charset="0"/>
+                                </a:rPr>
+                                <m:t>~</m:t>
+                              </m:r>
+                            </m:sup>
+                          </m:sSubSup>
+                          <m:d>
+                            <m:dPr>
+                              <m:ctrlPr>
+                                <a:rPr lang="en-US" b="0" i="1" smtClean="0">
+                                  <a:latin typeface="Cambria Math" panose="02040503050406030204" pitchFamily="18" charset="0"/>
+                                </a:rPr>
+                              </m:ctrlPr>
+                            </m:dPr>
+                            <m:e>
+                              <m:r>
+                                <a:rPr lang="en-US" b="0" i="1" smtClean="0">
+                                  <a:latin typeface="Cambria Math" panose="02040503050406030204" pitchFamily="18" charset="0"/>
+                                </a:rPr>
+                                <m:t>𝑣</m:t>
+                              </m:r>
+                              <m:r>
+                                <a:rPr lang="en-US" b="0" i="1" smtClean="0">
+                                  <a:latin typeface="Cambria Math" panose="02040503050406030204" pitchFamily="18" charset="0"/>
+                                </a:rPr>
+                                <m:t>+</m:t>
+                              </m:r>
+                              <m:f>
+                                <m:fPr>
+                                  <m:ctrlPr>
+                                    <a:rPr lang="en-US" b="0" i="1" smtClean="0">
+                                      <a:latin typeface="Cambria Math" panose="02040503050406030204" pitchFamily="18" charset="0"/>
+                                    </a:rPr>
+                                  </m:ctrlPr>
+                                </m:fPr>
+                                <m:num>
+                                  <m:r>
+                                    <a:rPr lang="en-US" b="0" i="1" smtClean="0">
+                                      <a:latin typeface="Cambria Math" panose="02040503050406030204" pitchFamily="18" charset="0"/>
+                                    </a:rPr>
+                                    <m:t>1</m:t>
+                                  </m:r>
+                                </m:num>
+                                <m:den>
+                                  <m:r>
+                                    <a:rPr lang="en-US" b="0" i="1" smtClean="0">
+                                      <a:latin typeface="Cambria Math" panose="02040503050406030204" pitchFamily="18" charset="0"/>
+                                    </a:rPr>
+                                    <m:t>2</m:t>
+                                  </m:r>
+                                </m:den>
+                              </m:f>
+                            </m:e>
+                          </m:d>
+                          <m:r>
+                            <a:rPr lang="en-US" b="0" i="1" smtClean="0">
+                              <a:latin typeface="Cambria Math" panose="02040503050406030204" pitchFamily="18" charset="0"/>
+                            </a:rPr>
+                            <m:t>−</m:t>
+                          </m:r>
+                          <m:sSubSup>
+                            <m:sSubSupPr>
+                              <m:ctrlPr>
+                                <a:rPr lang="en-US" b="0" i="1" smtClean="0">
+                                  <a:latin typeface="Cambria Math" panose="02040503050406030204" pitchFamily="18" charset="0"/>
+                                </a:rPr>
+                              </m:ctrlPr>
+                            </m:sSubSupPr>
+                            <m:e>
+                              <m:r>
+                                <a:rPr lang="en-US" b="0" i="1" smtClean="0">
+                                  <a:latin typeface="Cambria Math" panose="02040503050406030204" pitchFamily="18" charset="0"/>
+                                </a:rPr>
+                                <m:t>𝜈</m:t>
+                              </m:r>
+                            </m:e>
+                            <m:sub>
+                              <m:r>
+                                <a:rPr lang="en-US" b="0" i="1" smtClean="0">
+                                  <a:latin typeface="Cambria Math" panose="02040503050406030204" pitchFamily="18" charset="0"/>
+                                </a:rPr>
+                                <m:t>𝑒</m:t>
+                              </m:r>
+                            </m:sub>
+                            <m:sup>
+                              <m:r>
+                                <a:rPr lang="en-US" b="0" i="1" smtClean="0">
+                                  <a:latin typeface="Cambria Math" panose="02040503050406030204" pitchFamily="18" charset="0"/>
+                                </a:rPr>
+                                <m:t>~</m:t>
+                              </m:r>
+                            </m:sup>
+                          </m:sSubSup>
+                          <m:sSub>
+                            <m:sSubPr>
+                              <m:ctrlPr>
+                                <a:rPr lang="en-US" b="0" i="1" smtClean="0">
+                                  <a:latin typeface="Cambria Math" panose="02040503050406030204" pitchFamily="18" charset="0"/>
+                                </a:rPr>
+                              </m:ctrlPr>
+                            </m:sSubPr>
+                            <m:e>
+                              <m:r>
+                                <a:rPr lang="en-US" b="0" i="1" smtClean="0">
+                                  <a:latin typeface="Cambria Math" panose="02040503050406030204" pitchFamily="18" charset="0"/>
+                                </a:rPr>
+                                <m:t>𝑥</m:t>
+                              </m:r>
+                            </m:e>
+                            <m:sub>
+                              <m:r>
+                                <a:rPr lang="en-US" b="0" i="1" smtClean="0">
+                                  <a:latin typeface="Cambria Math" panose="02040503050406030204" pitchFamily="18" charset="0"/>
+                                </a:rPr>
+                                <m:t>𝑒</m:t>
+                              </m:r>
+                            </m:sub>
+                          </m:sSub>
+                          <m:sSup>
+                            <m:sSupPr>
+                              <m:ctrlPr>
+                                <a:rPr lang="en-US" b="0" i="1" smtClean="0">
+                                  <a:latin typeface="Cambria Math" panose="02040503050406030204" pitchFamily="18" charset="0"/>
+                                </a:rPr>
+                              </m:ctrlPr>
+                            </m:sSupPr>
+                            <m:e>
+                              <m:d>
+                                <m:dPr>
+                                  <m:ctrlPr>
+                                    <a:rPr lang="en-US" b="0" i="1" smtClean="0">
+                                      <a:latin typeface="Cambria Math" panose="02040503050406030204" pitchFamily="18" charset="0"/>
+                                    </a:rPr>
+                                  </m:ctrlPr>
+                                </m:dPr>
+                                <m:e>
+                                  <m:r>
+                                    <a:rPr lang="en-US" b="0" i="1" smtClean="0">
+                                      <a:latin typeface="Cambria Math" panose="02040503050406030204" pitchFamily="18" charset="0"/>
+                                    </a:rPr>
+                                    <m:t>𝑣</m:t>
+                                  </m:r>
+                                  <m:r>
+                                    <a:rPr lang="en-US" b="0" i="1" smtClean="0">
+                                      <a:latin typeface="Cambria Math" panose="02040503050406030204" pitchFamily="18" charset="0"/>
+                                    </a:rPr>
+                                    <m:t>+</m:t>
+                                  </m:r>
+                                  <m:f>
+                                    <m:fPr>
+                                      <m:ctrlPr>
+                                        <a:rPr lang="en-US" b="0" i="1" smtClean="0">
+                                          <a:latin typeface="Cambria Math" panose="02040503050406030204" pitchFamily="18" charset="0"/>
+                                        </a:rPr>
+                                      </m:ctrlPr>
+                                    </m:fPr>
+                                    <m:num>
+                                      <m:r>
+                                        <a:rPr lang="en-US" b="0" i="1" smtClean="0">
+                                          <a:latin typeface="Cambria Math" panose="02040503050406030204" pitchFamily="18" charset="0"/>
+                                        </a:rPr>
+                                        <m:t>1</m:t>
+                                      </m:r>
+                                    </m:num>
+                                    <m:den>
+                                      <m:r>
+                                        <a:rPr lang="en-US" b="0" i="1" smtClean="0">
+                                          <a:latin typeface="Cambria Math" panose="02040503050406030204" pitchFamily="18" charset="0"/>
+                                        </a:rPr>
+                                        <m:t>2</m:t>
+                                      </m:r>
+                                    </m:den>
+                                  </m:f>
+                                </m:e>
+                              </m:d>
+                            </m:e>
+                            <m:sup>
+                              <m:r>
+                                <a:rPr lang="en-US" b="0" i="1" smtClean="0">
+                                  <a:latin typeface="Cambria Math" panose="02040503050406030204" pitchFamily="18" charset="0"/>
+                                </a:rPr>
+                                <m:t>2</m:t>
+                              </m:r>
+                            </m:sup>
+                          </m:sSup>
+                        </m:e>
+                      </m:d>
+                      <m:r>
+                        <a:rPr lang="en-US" b="0" i="1" smtClean="0">
+                          <a:latin typeface="Cambria Math" panose="02040503050406030204" pitchFamily="18" charset="0"/>
+                        </a:rPr>
+                        <m:t>+</m:t>
+                      </m:r>
+                    </m:oMath>
+                  </m:oMathPara>
+                </a14:m>
+                <a:endParaRPr lang="en-US" b="0" i="1" dirty="0">
+                  <a:latin typeface="Cambria Math" panose="02040503050406030204" pitchFamily="18" charset="0"/>
+                </a:endParaRPr>
+              </a:p>
+            </p:txBody>
+          </p:sp>
+        </mc:Choice>
+        <mc:Fallback>
+          <p:sp>
+            <p:nvSpPr>
+              <p:cNvPr id="17" name="TextBox 16">
+                <a:extLst>
+                  <a:ext uri="{FF2B5EF4-FFF2-40B4-BE49-F238E27FC236}">
+                    <a16:creationId xmlns:a16="http://schemas.microsoft.com/office/drawing/2014/main" id="{E558EE70-7D3C-4561-98C0-6028D33AB423}"/>
+                  </a:ext>
+                </a:extLst>
+              </p:cNvPr>
+              <p:cNvSpPr txBox="1">
+                <a:spLocks noRot="1" noChangeAspect="1" noMove="1" noResize="1" noEditPoints="1" noAdjustHandles="1" noChangeArrowheads="1" noChangeShapeType="1" noTextEdit="1"/>
+              </p:cNvSpPr>
+              <p:nvPr/>
+            </p:nvSpPr>
+            <p:spPr>
+              <a:xfrm>
+                <a:off x="1289685" y="2816855"/>
+                <a:ext cx="4203202" cy="725070"/>
+              </a:xfrm>
+              <a:prstGeom prst="rect">
+                <a:avLst/>
+              </a:prstGeom>
+              <a:blipFill>
+                <a:blip r:embed="rId4"/>
+                <a:stretch>
+                  <a:fillRect/>
+                </a:stretch>
+              </a:blipFill>
+            </p:spPr>
+            <p:txBody>
+              <a:bodyPr/>
+              <a:lstStyle/>
+              <a:p>
+                <a:r>
+                  <a:rPr lang="en-SE">
+                    <a:noFill/>
+                  </a:rPr>
+                  <a:t> </a:t>
+                </a:r>
+              </a:p>
+            </p:txBody>
+          </p:sp>
+        </mc:Fallback>
+      </mc:AlternateContent>
+      <mc:AlternateContent xmlns:mc="http://schemas.openxmlformats.org/markup-compatibility/2006">
+        <mc:Choice xmlns:a14="http://schemas.microsoft.com/office/drawing/2010/main" Requires="a14">
+          <p:sp>
+            <p:nvSpPr>
+              <p:cNvPr id="18" name="TextBox 17">
+                <a:extLst>
+                  <a:ext uri="{FF2B5EF4-FFF2-40B4-BE49-F238E27FC236}">
+                    <a16:creationId xmlns:a16="http://schemas.microsoft.com/office/drawing/2014/main" id="{60B69610-F6B9-498D-BEB4-5B7D3520E3BF}"/>
+                  </a:ext>
+                </a:extLst>
+              </p:cNvPr>
+              <p:cNvSpPr txBox="1"/>
+              <p:nvPr/>
+            </p:nvSpPr>
+            <p:spPr>
+              <a:xfrm>
+                <a:off x="1857085" y="3855392"/>
+                <a:ext cx="3010568" cy="622350"/>
+              </a:xfrm>
+              <a:prstGeom prst="rect">
+                <a:avLst/>
+              </a:prstGeom>
+              <a:noFill/>
+            </p:spPr>
+            <p:txBody>
+              <a:bodyPr wrap="none" lIns="0" tIns="0" rIns="0" bIns="0" rtlCol="0">
+                <a:spAutoFit/>
+              </a:bodyPr>
+              <a:lstStyle/>
+              <a:p>
+                <a14:m>
+                  <m:oMathPara xmlns:m="http://schemas.openxmlformats.org/officeDocument/2006/math">
+                    <m:oMathParaPr>
+                      <m:jc m:val="centerGroup"/>
+                    </m:oMathParaPr>
+                    <m:oMath xmlns:m="http://schemas.openxmlformats.org/officeDocument/2006/math">
+                      <m:r>
+                        <a:rPr lang="en-US" b="0" i="1" smtClean="0">
+                          <a:latin typeface="Cambria Math" panose="02040503050406030204" pitchFamily="18" charset="0"/>
+                        </a:rPr>
+                        <m:t>h𝑐</m:t>
+                      </m:r>
+                      <m:d>
+                        <m:dPr>
+                          <m:begChr m:val="["/>
+                          <m:endChr m:val="]"/>
+                          <m:ctrlPr>
+                            <a:rPr lang="en-US" b="0" i="1" smtClean="0">
+                              <a:latin typeface="Cambria Math" panose="02040503050406030204" pitchFamily="18" charset="0"/>
+                            </a:rPr>
+                          </m:ctrlPr>
+                        </m:dPr>
+                        <m:e>
+                          <m:sSubSup>
+                            <m:sSubSupPr>
+                              <m:ctrlPr>
+                                <a:rPr lang="en-US" b="0" i="1" smtClean="0">
+                                  <a:latin typeface="Cambria Math" panose="02040503050406030204" pitchFamily="18" charset="0"/>
+                                </a:rPr>
+                              </m:ctrlPr>
+                            </m:sSubSupPr>
+                            <m:e>
+                              <m:r>
+                                <a:rPr lang="en-US" b="0" i="1" smtClean="0">
+                                  <a:latin typeface="Cambria Math" panose="02040503050406030204" pitchFamily="18" charset="0"/>
+                                </a:rPr>
+                                <m:t>𝐵</m:t>
+                              </m:r>
+                            </m:e>
+                            <m:sub>
+                              <m:r>
+                                <a:rPr lang="en-US" b="0" i="1" smtClean="0">
+                                  <a:latin typeface="Cambria Math" panose="02040503050406030204" pitchFamily="18" charset="0"/>
+                                </a:rPr>
+                                <m:t>𝑒</m:t>
+                              </m:r>
+                            </m:sub>
+                            <m:sup>
+                              <m:r>
+                                <a:rPr lang="en-US" b="0" i="1" smtClean="0">
+                                  <a:latin typeface="Cambria Math" panose="02040503050406030204" pitchFamily="18" charset="0"/>
+                                </a:rPr>
+                                <m:t>~</m:t>
+                              </m:r>
+                            </m:sup>
+                          </m:sSubSup>
+                          <m:r>
+                            <a:rPr lang="en-US" b="0" i="1" smtClean="0">
+                              <a:latin typeface="Cambria Math" panose="02040503050406030204" pitchFamily="18" charset="0"/>
+                            </a:rPr>
+                            <m:t>−</m:t>
+                          </m:r>
+                          <m:sSubSup>
+                            <m:sSubSupPr>
+                              <m:ctrlPr>
+                                <a:rPr lang="en-US" b="0" i="1" smtClean="0">
+                                  <a:latin typeface="Cambria Math" panose="02040503050406030204" pitchFamily="18" charset="0"/>
+                                </a:rPr>
+                              </m:ctrlPr>
+                            </m:sSubSupPr>
+                            <m:e>
+                              <m:r>
+                                <a:rPr lang="en-US" b="0" i="1" smtClean="0">
+                                  <a:latin typeface="Cambria Math" panose="02040503050406030204" pitchFamily="18" charset="0"/>
+                                </a:rPr>
+                                <m:t>𝛼</m:t>
+                              </m:r>
+                            </m:e>
+                            <m:sub>
+                              <m:r>
+                                <a:rPr lang="en-US" b="0" i="1" smtClean="0">
+                                  <a:latin typeface="Cambria Math" panose="02040503050406030204" pitchFamily="18" charset="0"/>
+                                </a:rPr>
+                                <m:t>𝑒</m:t>
+                              </m:r>
+                            </m:sub>
+                            <m:sup>
+                              <m:r>
+                                <a:rPr lang="en-US" b="0" i="1" smtClean="0">
+                                  <a:latin typeface="Cambria Math" panose="02040503050406030204" pitchFamily="18" charset="0"/>
+                                </a:rPr>
+                                <m:t>~</m:t>
+                              </m:r>
+                            </m:sup>
+                          </m:sSubSup>
+                          <m:d>
+                            <m:dPr>
+                              <m:ctrlPr>
+                                <a:rPr lang="en-US" b="0" i="1" smtClean="0">
+                                  <a:latin typeface="Cambria Math" panose="02040503050406030204" pitchFamily="18" charset="0"/>
+                                </a:rPr>
+                              </m:ctrlPr>
+                            </m:dPr>
+                            <m:e>
+                              <m:r>
+                                <a:rPr lang="en-US" b="0" i="1" smtClean="0">
+                                  <a:latin typeface="Cambria Math" panose="02040503050406030204" pitchFamily="18" charset="0"/>
+                                </a:rPr>
+                                <m:t>𝑣</m:t>
+                              </m:r>
+                              <m:r>
+                                <a:rPr lang="en-US" b="0" i="1" smtClean="0">
+                                  <a:latin typeface="Cambria Math" panose="02040503050406030204" pitchFamily="18" charset="0"/>
+                                </a:rPr>
+                                <m:t>+</m:t>
+                              </m:r>
+                              <m:f>
+                                <m:fPr>
+                                  <m:ctrlPr>
+                                    <a:rPr lang="en-US" b="0" i="1" smtClean="0">
+                                      <a:latin typeface="Cambria Math" panose="02040503050406030204" pitchFamily="18" charset="0"/>
+                                    </a:rPr>
+                                  </m:ctrlPr>
+                                </m:fPr>
+                                <m:num>
+                                  <m:r>
+                                    <a:rPr lang="en-US" b="0" i="1" smtClean="0">
+                                      <a:latin typeface="Cambria Math" panose="02040503050406030204" pitchFamily="18" charset="0"/>
+                                    </a:rPr>
+                                    <m:t>1</m:t>
+                                  </m:r>
+                                </m:num>
+                                <m:den>
+                                  <m:r>
+                                    <a:rPr lang="en-US" b="0" i="1" smtClean="0">
+                                      <a:latin typeface="Cambria Math" panose="02040503050406030204" pitchFamily="18" charset="0"/>
+                                    </a:rPr>
+                                    <m:t>2</m:t>
+                                  </m:r>
+                                </m:den>
+                              </m:f>
+                            </m:e>
+                          </m:d>
+                        </m:e>
+                      </m:d>
+                      <m:r>
+                        <a:rPr lang="en-US" b="0" i="1" smtClean="0">
+                          <a:latin typeface="Cambria Math" panose="02040503050406030204" pitchFamily="18" charset="0"/>
+                        </a:rPr>
+                        <m:t>𝐽</m:t>
+                      </m:r>
+                      <m:r>
+                        <a:rPr lang="en-US" b="0" i="1" smtClean="0">
+                          <a:latin typeface="Cambria Math" panose="02040503050406030204" pitchFamily="18" charset="0"/>
+                        </a:rPr>
+                        <m:t>(</m:t>
+                      </m:r>
+                      <m:r>
+                        <a:rPr lang="en-US" b="0" i="1" smtClean="0">
+                          <a:latin typeface="Cambria Math" panose="02040503050406030204" pitchFamily="18" charset="0"/>
+                        </a:rPr>
+                        <m:t>𝐽</m:t>
+                      </m:r>
+                      <m:r>
+                        <a:rPr lang="en-US" b="0" i="1" smtClean="0">
+                          <a:latin typeface="Cambria Math" panose="02040503050406030204" pitchFamily="18" charset="0"/>
+                        </a:rPr>
+                        <m:t>+1)</m:t>
+                      </m:r>
+                    </m:oMath>
+                  </m:oMathPara>
+                </a14:m>
+                <a:endParaRPr lang="en-US" b="0" i="1" dirty="0">
+                  <a:latin typeface="Cambria Math" panose="02040503050406030204" pitchFamily="18" charset="0"/>
+                </a:endParaRPr>
+              </a:p>
+            </p:txBody>
+          </p:sp>
+        </mc:Choice>
+        <mc:Fallback>
+          <p:sp>
+            <p:nvSpPr>
+              <p:cNvPr id="18" name="TextBox 17">
+                <a:extLst>
+                  <a:ext uri="{FF2B5EF4-FFF2-40B4-BE49-F238E27FC236}">
+                    <a16:creationId xmlns:a16="http://schemas.microsoft.com/office/drawing/2014/main" id="{60B69610-F6B9-498D-BEB4-5B7D3520E3BF}"/>
+                  </a:ext>
+                </a:extLst>
+              </p:cNvPr>
+              <p:cNvSpPr txBox="1">
+                <a:spLocks noRot="1" noChangeAspect="1" noMove="1" noResize="1" noEditPoints="1" noAdjustHandles="1" noChangeArrowheads="1" noChangeShapeType="1" noTextEdit="1"/>
+              </p:cNvSpPr>
+              <p:nvPr/>
+            </p:nvSpPr>
+            <p:spPr>
+              <a:xfrm>
+                <a:off x="1857085" y="3855392"/>
+                <a:ext cx="3010568" cy="622350"/>
+              </a:xfrm>
+              <a:prstGeom prst="rect">
+                <a:avLst/>
+              </a:prstGeom>
+              <a:blipFill>
+                <a:blip r:embed="rId5"/>
+                <a:stretch>
+                  <a:fillRect/>
+                </a:stretch>
+              </a:blipFill>
+            </p:spPr>
+            <p:txBody>
+              <a:bodyPr/>
+              <a:lstStyle/>
+              <a:p>
+                <a:r>
+                  <a:rPr lang="en-SE">
+                    <a:noFill/>
+                  </a:rPr>
+                  <a:t> </a:t>
+                </a:r>
+              </a:p>
+            </p:txBody>
+          </p:sp>
+        </mc:Fallback>
+      </mc:AlternateContent>
     </p:spTree>
   </p:cSld>
   <p:clrMapOvr>
@@ -4487,6 +5092,7 @@
         <a:solidFill>
           <a:srgbClr val="FFFFFF"/>
         </a:solidFill>
+        <a:effectLst/>
       </p:bgPr>
     </p:bg>
     <p:spTree>
@@ -4549,7 +5155,7 @@
           <a:bodyPr wrap="square" rtlCol="0" anchor="ctr"/>
           <a:lstStyle/>
           <a:p>
-            <a:pPr indent="0" marL="0">
+            <a:pPr marL="0" indent="0">
               <a:buNone/>
             </a:pPr>
             <a:r>
@@ -4588,7 +5194,7 @@
           <a:bodyPr wrap="square" rtlCol="0" anchor="ctr"/>
           <a:lstStyle/>
           <a:p>
-            <a:pPr indent="0" marL="0">
+            <a:pPr marL="0" indent="0">
               <a:buNone/>
             </a:pPr>
             <a:r>
@@ -4614,7 +5220,7 @@
         </p:nvSpPr>
         <p:spPr>
           <a:xfrm>
-            <a:off x="731520" y="1417320"/>
+            <a:off x="380847" y="1417320"/>
             <a:ext cx="11430000" cy="1234440"/>
           </a:xfrm>
           <a:prstGeom prst="roundRect">
@@ -4633,17 +5239,17 @@
       </p:sp>
       <p:pic>
         <p:nvPicPr>
-          <p:cNvPr id="6" name="Image 0" descr="preencoded.png">    </p:cNvPr>
+          <p:cNvPr id="6" name="Image 0" descr="preencoded.png"/>
           <p:cNvPicPr>
             <a:picLocks noChangeAspect="1"/>
           </p:cNvPicPr>
           <p:nvPr/>
         </p:nvPicPr>
         <p:blipFill>
-          <a:blip r:embed="rId1">
+          <a:blip r:embed="rId3">
             <a:extLst>
               <a:ext uri="{96DAC541-7B7A-43D3-8B79-37D633B846F1}">
-                <asvg:svgBlip xmlns:asvg="http://schemas.microsoft.com/office/drawing/2016/SVG/main" r:embed="rId2"/>
+                <asvg:svgBlip xmlns:asvg="http://schemas.microsoft.com/office/drawing/2016/SVG/main" r:embed="rId4"/>
               </a:ext>
             </a:extLst>
           </a:blip>
@@ -4653,7 +5259,7 @@
         </p:blipFill>
         <p:spPr>
           <a:xfrm>
-            <a:off x="1005840" y="1651768"/>
+            <a:off x="655167" y="1651768"/>
             <a:ext cx="10972800" cy="765544"/>
           </a:xfrm>
           <a:prstGeom prst="rect">
@@ -4685,7 +5291,7 @@
             <a:prstDash val="solid"/>
           </a:ln>
           <a:effectLst>
-            <a:outerShdw sx="100000" sy="100000" kx="0" ky="0" algn="bl" rotWithShape="0" blurRad="25400" dist="12700" dir="2700000">
+            <a:outerShdw blurRad="25400" dist="12700" dir="2700000" algn="bl" rotWithShape="0">
               <a:srgbClr val="000000">
                 <a:alpha val="6000"/>
               </a:srgbClr>
@@ -4714,7 +5320,7 @@
           <a:bodyPr wrap="square" rtlCol="0" anchor="ctr"/>
           <a:lstStyle/>
           <a:p>
-            <a:pPr indent="0" marL="0">
+            <a:pPr marL="0" indent="0">
               <a:buNone/>
             </a:pPr>
             <a:r>
@@ -4753,7 +5359,7 @@
           <a:bodyPr wrap="square" rtlCol="0" anchor="ctr"/>
           <a:lstStyle/>
           <a:p>
-            <a:pPr indent="0" marL="0">
+            <a:pPr marL="0" indent="0">
               <a:buNone/>
             </a:pPr>
             <a:r>
@@ -4770,7 +5376,7 @@
             <a:endParaRPr lang="en-US" sz="1600" dirty="0"/>
           </a:p>
           <a:p>
-            <a:pPr indent="0" marL="0">
+            <a:pPr marL="0" indent="0">
               <a:buNone/>
             </a:pPr>
             <a:r>
@@ -4834,7 +5440,7 @@
           <a:bodyPr wrap="square" rtlCol="0" anchor="ctr"/>
           <a:lstStyle/>
           <a:p>
-            <a:pPr indent="0" marL="0">
+            <a:pPr marL="0" indent="0">
               <a:buNone/>
             </a:pPr>
             <a:r>
@@ -4873,7 +5479,7 @@
           <a:bodyPr wrap="square" rtlCol="0" anchor="ctr"/>
           <a:lstStyle/>
           <a:p>
-            <a:pPr indent="0" marL="0">
+            <a:pPr marL="0" indent="0">
               <a:buNone/>
             </a:pPr>
             <a:r>
@@ -4885,12 +5491,12 @@
                 <a:ea typeface="Calibri" pitchFamily="34" charset="-122"/>
                 <a:cs typeface="Calibri" pitchFamily="34" charset="-120"/>
               </a:rPr>
-              <a:t>Each line often appears as two close lines (H³⁵Cl and H³⁷Cl).</a:t>
+              <a:t>Each line often appears as two close lines, why?</a:t>
             </a:r>
             <a:endParaRPr lang="en-US" sz="1500" dirty="0"/>
           </a:p>
           <a:p>
-            <a:pPr indent="0" marL="0">
+            <a:pPr marL="0" indent="0">
               <a:buNone/>
             </a:pPr>
             <a:r>
@@ -4932,7 +5538,7 @@
             <a:prstDash val="solid"/>
           </a:ln>
           <a:effectLst>
-            <a:outerShdw sx="100000" sy="100000" kx="0" ky="0" algn="bl" rotWithShape="0" blurRad="25400" dist="12700" dir="2700000">
+            <a:outerShdw blurRad="25400" dist="12700" dir="2700000" algn="bl" rotWithShape="0">
               <a:srgbClr val="000000">
                 <a:alpha val="6000"/>
               </a:srgbClr>
@@ -4942,22 +5548,27 @@
       </p:sp>
       <p:pic>
         <p:nvPicPr>
-          <p:cNvPr id="14" name="Image 1" descr="/mnt/data/lab2_spectrum.png">    </p:cNvPr>
+          <p:cNvPr id="16" name="Picture 15">
+            <a:extLst>
+              <a:ext uri="{FF2B5EF4-FFF2-40B4-BE49-F238E27FC236}">
+                <a16:creationId xmlns:a16="http://schemas.microsoft.com/office/drawing/2014/main" id="{66705F13-D609-469B-8E2E-5CE5FA68522F}"/>
+              </a:ext>
+            </a:extLst>
+          </p:cNvPr>
           <p:cNvPicPr>
             <a:picLocks noChangeAspect="1"/>
           </p:cNvPicPr>
           <p:nvPr/>
         </p:nvPicPr>
-        <p:blipFill>
-          <a:blip r:embed="rId3"/>
-          <a:stretch>
-            <a:fillRect/>
-          </a:stretch>
+        <p:blipFill rotWithShape="1">
+          <a:blip r:embed="rId5"/>
+          <a:srcRect l="3564" t="1949" r="1220" b="14265"/>
+          <a:stretch/>
         </p:blipFill>
         <p:spPr>
           <a:xfrm>
-            <a:off x="6766560" y="3223260"/>
-            <a:ext cx="4526280" cy="3017520"/>
+            <a:off x="6776027" y="3578144"/>
+            <a:ext cx="4507345" cy="2426416"/>
           </a:xfrm>
           <a:prstGeom prst="rect">
             <a:avLst/>
@@ -4980,6 +5591,7 @@
         <a:solidFill>
           <a:srgbClr val="FFFFFF"/>
         </a:solidFill>
+        <a:effectLst/>
       </p:bgPr>
     </p:bg>
     <p:spTree>
@@ -5042,7 +5654,7 @@
           <a:bodyPr wrap="square" rtlCol="0" anchor="ctr"/>
           <a:lstStyle/>
           <a:p>
-            <a:pPr indent="0" marL="0">
+            <a:pPr marL="0" indent="0">
               <a:buNone/>
             </a:pPr>
             <a:r>
@@ -5081,7 +5693,7 @@
           <a:bodyPr wrap="square" rtlCol="0" anchor="ctr"/>
           <a:lstStyle/>
           <a:p>
-            <a:pPr indent="0" marL="0">
+            <a:pPr marL="0" indent="0">
               <a:buNone/>
             </a:pPr>
             <a:r>
@@ -5145,7 +5757,7 @@
           <a:bodyPr wrap="square" rtlCol="0" anchor="ctr"/>
           <a:lstStyle/>
           <a:p>
-            <a:pPr algn="ctr" indent="0" marL="0">
+            <a:pPr marL="0" indent="0" algn="ctr">
               <a:buNone/>
             </a:pPr>
             <a:r>
@@ -5162,7 +5774,7 @@
             <a:endParaRPr lang="en-US" sz="1400" dirty="0"/>
           </a:p>
           <a:p>
-            <a:pPr algn="ctr" indent="0" marL="0">
+            <a:pPr marL="0" indent="0" algn="ctr">
               <a:buNone/>
             </a:pPr>
             <a:r>
@@ -5201,7 +5813,7 @@
           <a:bodyPr wrap="square" rtlCol="0" anchor="ctr"/>
           <a:lstStyle/>
           <a:p>
-            <a:pPr algn="ctr" indent="0" marL="0">
+            <a:pPr marL="0" indent="0" algn="ctr">
               <a:buNone/>
             </a:pPr>
             <a:r>
@@ -5290,7 +5902,7 @@
           <a:bodyPr wrap="square" rtlCol="0" anchor="ctr"/>
           <a:lstStyle/>
           <a:p>
-            <a:pPr algn="ctr" indent="0" marL="0">
+            <a:pPr marL="0" indent="0" algn="ctr">
               <a:buNone/>
             </a:pPr>
             <a:r>
@@ -5307,7 +5919,7 @@
             <a:endParaRPr lang="en-US" sz="1400" dirty="0"/>
           </a:p>
           <a:p>
-            <a:pPr algn="ctr" indent="0" marL="0">
+            <a:pPr marL="0" indent="0" algn="ctr">
               <a:buNone/>
             </a:pPr>
             <a:r>
@@ -5346,7 +5958,7 @@
           <a:bodyPr wrap="square" rtlCol="0" anchor="ctr"/>
           <a:lstStyle/>
           <a:p>
-            <a:pPr algn="ctr" indent="0" marL="0">
+            <a:pPr marL="0" indent="0" algn="ctr">
               <a:buNone/>
             </a:pPr>
             <a:r>
@@ -5435,7 +6047,7 @@
           <a:bodyPr wrap="square" rtlCol="0" anchor="ctr"/>
           <a:lstStyle/>
           <a:p>
-            <a:pPr algn="ctr" indent="0" marL="0">
+            <a:pPr marL="0" indent="0" algn="ctr">
               <a:buNone/>
             </a:pPr>
             <a:r>
@@ -5452,7 +6064,7 @@
             <a:endParaRPr lang="en-US" sz="1400" dirty="0"/>
           </a:p>
           <a:p>
-            <a:pPr algn="ctr" indent="0" marL="0">
+            <a:pPr marL="0" indent="0" algn="ctr">
               <a:buNone/>
             </a:pPr>
             <a:r>
@@ -5491,7 +6103,7 @@
           <a:bodyPr wrap="square" rtlCol="0" anchor="ctr"/>
           <a:lstStyle/>
           <a:p>
-            <a:pPr algn="ctr" indent="0" marL="0">
+            <a:pPr marL="0" indent="0" algn="ctr">
               <a:buNone/>
             </a:pPr>
             <a:r>
@@ -5580,7 +6192,7 @@
           <a:bodyPr wrap="square" rtlCol="0" anchor="ctr"/>
           <a:lstStyle/>
           <a:p>
-            <a:pPr algn="ctr" indent="0" marL="0">
+            <a:pPr marL="0" indent="0" algn="ctr">
               <a:buNone/>
             </a:pPr>
             <a:r>
@@ -5597,7 +6209,7 @@
             <a:endParaRPr lang="en-US" sz="1400" dirty="0"/>
           </a:p>
           <a:p>
-            <a:pPr algn="ctr" indent="0" marL="0">
+            <a:pPr marL="0" indent="0" algn="ctr">
               <a:buNone/>
             </a:pPr>
             <a:r>
@@ -5636,7 +6248,7 @@
           <a:bodyPr wrap="square" rtlCol="0" anchor="ctr"/>
           <a:lstStyle/>
           <a:p>
-            <a:pPr algn="ctr" indent="0" marL="0">
+            <a:pPr marL="0" indent="0" algn="ctr">
               <a:buNone/>
             </a:pPr>
             <a:r>
@@ -5725,7 +6337,7 @@
           <a:bodyPr wrap="square" rtlCol="0" anchor="ctr"/>
           <a:lstStyle/>
           <a:p>
-            <a:pPr algn="ctr" indent="0" marL="0">
+            <a:pPr marL="0" indent="0" algn="ctr">
               <a:buNone/>
             </a:pPr>
             <a:r>
@@ -5742,7 +6354,7 @@
             <a:endParaRPr lang="en-US" sz="1400" dirty="0"/>
           </a:p>
           <a:p>
-            <a:pPr algn="ctr" indent="0" marL="0">
+            <a:pPr marL="0" indent="0" algn="ctr">
               <a:buNone/>
             </a:pPr>
             <a:r>
@@ -5781,7 +6393,7 @@
           <a:bodyPr wrap="square" rtlCol="0" anchor="ctr"/>
           <a:lstStyle/>
           <a:p>
-            <a:pPr algn="ctr" indent="0" marL="0">
+            <a:pPr marL="0" indent="0" algn="ctr">
               <a:buNone/>
             </a:pPr>
             <a:r>
@@ -5807,7 +6419,7 @@
         </p:nvSpPr>
         <p:spPr>
           <a:xfrm>
-            <a:off x="731520" y="3063240"/>
+            <a:off x="380847" y="3035808"/>
             <a:ext cx="11430000" cy="3520440"/>
           </a:xfrm>
           <a:prstGeom prst="roundRect">
@@ -5832,7 +6444,7 @@
         </p:nvSpPr>
         <p:spPr>
           <a:xfrm>
-            <a:off x="1005840" y="3291840"/>
+            <a:off x="868680" y="3291840"/>
             <a:ext cx="10972800" cy="320040"/>
           </a:xfrm>
           <a:prstGeom prst="rect">
@@ -5845,7 +6457,7 @@
           <a:bodyPr wrap="square" rtlCol="0" anchor="ctr"/>
           <a:lstStyle/>
           <a:p>
-            <a:pPr indent="0" marL="0">
+            <a:pPr marL="0" indent="0">
               <a:buNone/>
             </a:pPr>
             <a:r>
@@ -5871,7 +6483,7 @@
         </p:nvSpPr>
         <p:spPr>
           <a:xfrm>
-            <a:off x="1005840" y="3703320"/>
+            <a:off x="837123" y="3712464"/>
             <a:ext cx="10972800" cy="914400"/>
           </a:xfrm>
           <a:prstGeom prst="rect">
@@ -5884,7 +6496,29 @@
           <a:bodyPr wrap="square" rtlCol="0" anchor="ctr"/>
           <a:lstStyle/>
           <a:p>
-            <a:pPr indent="0" marL="0">
+            <a:pPr marL="342900" indent="-342900">
+              <a:buAutoNum type="arabicParenR"/>
+            </a:pPr>
+            <a:r>
+              <a:rPr lang="en-US" sz="1600" dirty="0">
+                <a:solidFill>
+                  <a:srgbClr val="374151"/>
+                </a:solidFill>
+                <a:latin typeface="Calibri" pitchFamily="34" charset="0"/>
+                <a:ea typeface="Calibri" pitchFamily="34" charset="-122"/>
+                <a:cs typeface="Calibri" pitchFamily="34" charset="-120"/>
+              </a:rPr>
+              <a:t>Use consistent units (cm⁻¹ for ν̃ and B̃; convert to m⁻¹ only inside the r formula).</a:t>
+            </a:r>
+          </a:p>
+          <a:p>
+            <a:pPr marL="342900" indent="-342900">
+              <a:buAutoNum type="arabicParenR"/>
+            </a:pPr>
+            <a:endParaRPr lang="en-US" sz="1600" dirty="0"/>
+          </a:p>
+          <a:p>
+            <a:pPr marL="0" indent="0">
               <a:buNone/>
             </a:pPr>
             <a:r>
@@ -5896,63 +6530,7 @@
                 <a:ea typeface="Calibri" pitchFamily="34" charset="-122"/>
                 <a:cs typeface="Calibri" pitchFamily="34" charset="-120"/>
               </a:rPr>
-              <a:t>1) Use consistent units (cm⁻¹ for ν̃ and B̃; convert to m⁻¹ only inside the r formula).</a:t>
-            </a:r>
-            <a:endParaRPr lang="en-US" sz="1600" dirty="0"/>
-          </a:p>
-          <a:p>
-            <a:pPr indent="0" marL="0">
-              <a:buNone/>
-            </a:pPr>
-            <a:r>
-              <a:rPr lang="en-US" sz="1600" dirty="0">
-                <a:solidFill>
-                  <a:srgbClr val="374151"/>
-                </a:solidFill>
-                <a:latin typeface="Calibri" pitchFamily="34" charset="0"/>
-                <a:ea typeface="Calibri" pitchFamily="34" charset="-122"/>
-                <a:cs typeface="Calibri" pitchFamily="34" charset="-120"/>
-              </a:rPr>
-              <a:t>2) Report uncertainties or at least comment on fit residuals and which lines you trusted.</a:t>
-            </a:r>
-            <a:endParaRPr lang="en-US" sz="1600" dirty="0"/>
-          </a:p>
-        </p:txBody>
-      </p:sp>
-      <p:sp>
-        <p:nvSpPr>
-          <p:cNvPr id="27" name="Text 25"/>
-          <p:cNvSpPr/>
-          <p:nvPr/>
-        </p:nvSpPr>
-        <p:spPr>
-          <a:xfrm>
-            <a:off x="1005840" y="4754880"/>
-            <a:ext cx="10972800" cy="457200"/>
-          </a:xfrm>
-          <a:prstGeom prst="rect">
-            <a:avLst/>
-          </a:prstGeom>
-          <a:noFill/>
-          <a:ln/>
-        </p:spPr>
-        <p:txBody>
-          <a:bodyPr wrap="square" rtlCol="0" anchor="ctr"/>
-          <a:lstStyle/>
-          <a:p>
-            <a:pPr indent="0" marL="0">
-              <a:buNone/>
-            </a:pPr>
-            <a:r>
-              <a:rPr lang="en-US" sz="1600" i="1" dirty="0">
-                <a:solidFill>
-                  <a:srgbClr val="374151"/>
-                </a:solidFill>
-                <a:latin typeface="Calibri" pitchFamily="34" charset="0"/>
-                <a:ea typeface="Calibri" pitchFamily="34" charset="-122"/>
-                <a:cs typeface="Calibri" pitchFamily="34" charset="-120"/>
-              </a:rPr>
-              <a:t>Optional stretch: compare H³⁵Cl vs H³⁷Cl trends (μ changes → B̃ and ν̃ shift).</a:t>
+              <a:t>2)    Report uncertainties or at least comment on fit residuals and which lines you trusted.</a:t>
             </a:r>
             <a:endParaRPr lang="en-US" sz="1600" dirty="0"/>
           </a:p>
@@ -6259,4 +6837,299 @@
     </a:ext>
   </a:extLst>
 </a:theme>
+</file>
+
+<file path=ppt/theme/theme2.xml><?xml version="1.0" encoding="utf-8"?>
+<a:theme xmlns:a="http://schemas.openxmlformats.org/drawingml/2006/main" name="Office Theme">
+  <a:themeElements>
+    <a:clrScheme name="Office">
+      <a:dk1>
+        <a:sysClr val="windowText" lastClr="000000"/>
+      </a:dk1>
+      <a:lt1>
+        <a:sysClr val="window" lastClr="FFFFFF"/>
+      </a:lt1>
+      <a:dk2>
+        <a:srgbClr val="44546A"/>
+      </a:dk2>
+      <a:lt2>
+        <a:srgbClr val="E7E6E6"/>
+      </a:lt2>
+      <a:accent1>
+        <a:srgbClr val="4472C4"/>
+      </a:accent1>
+      <a:accent2>
+        <a:srgbClr val="ED7D31"/>
+      </a:accent2>
+      <a:accent3>
+        <a:srgbClr val="A5A5A5"/>
+      </a:accent3>
+      <a:accent4>
+        <a:srgbClr val="FFC000"/>
+      </a:accent4>
+      <a:accent5>
+        <a:srgbClr val="5B9BD5"/>
+      </a:accent5>
+      <a:accent6>
+        <a:srgbClr val="70AD47"/>
+      </a:accent6>
+      <a:hlink>
+        <a:srgbClr val="0563C1"/>
+      </a:hlink>
+      <a:folHlink>
+        <a:srgbClr val="954F72"/>
+      </a:folHlink>
+    </a:clrScheme>
+    <a:fontScheme name="Office">
+      <a:majorFont>
+        <a:latin typeface="Calibri Light" panose="020F0302020204030204"/>
+        <a:ea typeface=""/>
+        <a:cs typeface=""/>
+        <a:font script="Jpan" typeface="游ゴシック Light"/>
+        <a:font script="Hang" typeface="맑은 고딕"/>
+        <a:font script="Hans" typeface="等线 Light"/>
+        <a:font script="Hant" typeface="新細明體"/>
+        <a:font script="Arab" typeface="Times New Roman"/>
+        <a:font script="Hebr" typeface="Times New Roman"/>
+        <a:font script="Thai" typeface="Angsana New"/>
+        <a:font script="Ethi" typeface="Nyala"/>
+        <a:font script="Beng" typeface="Vrinda"/>
+        <a:font script="Gujr" typeface="Shruti"/>
+        <a:font script="Khmr" typeface="MoolBoran"/>
+        <a:font script="Knda" typeface="Tunga"/>
+        <a:font script="Guru" typeface="Raavi"/>
+        <a:font script="Cans" typeface="Euphemia"/>
+        <a:font script="Cher" typeface="Plantagenet Cherokee"/>
+        <a:font script="Yiii" typeface="Microsoft Yi Baiti"/>
+        <a:font script="Tibt" typeface="Microsoft Himalaya"/>
+        <a:font script="Thaa" typeface="MV Boli"/>
+        <a:font script="Deva" typeface="Mangal"/>
+        <a:font script="Telu" typeface="Gautami"/>
+        <a:font script="Taml" typeface="Latha"/>
+        <a:font script="Syrc" typeface="Estrangelo Edessa"/>
+        <a:font script="Orya" typeface="Kalinga"/>
+        <a:font script="Mlym" typeface="Kartika"/>
+        <a:font script="Laoo" typeface="DokChampa"/>
+        <a:font script="Sinh" typeface="Iskoola Pota"/>
+        <a:font script="Mong" typeface="Mongolian Baiti"/>
+        <a:font script="Viet" typeface="Times New Roman"/>
+        <a:font script="Uigh" typeface="Microsoft Uighur"/>
+        <a:font script="Geor" typeface="Sylfaen"/>
+        <a:font script="Armn" typeface="Arial"/>
+        <a:font script="Bugi" typeface="Leelawadee UI"/>
+        <a:font script="Bopo" typeface="Microsoft JhengHei"/>
+        <a:font script="Java" typeface="Javanese Text"/>
+        <a:font script="Lisu" typeface="Segoe UI"/>
+        <a:font script="Mymr" typeface="Myanmar Text"/>
+        <a:font script="Nkoo" typeface="Ebrima"/>
+        <a:font script="Olck" typeface="Nirmala UI"/>
+        <a:font script="Osma" typeface="Ebrima"/>
+        <a:font script="Phag" typeface="Phagspa"/>
+        <a:font script="Syrn" typeface="Estrangelo Edessa"/>
+        <a:font script="Syrj" typeface="Estrangelo Edessa"/>
+        <a:font script="Syre" typeface="Estrangelo Edessa"/>
+        <a:font script="Sora" typeface="Nirmala UI"/>
+        <a:font script="Tale" typeface="Microsoft Tai Le"/>
+        <a:font script="Talu" typeface="Microsoft New Tai Lue"/>
+        <a:font script="Tfng" typeface="Ebrima"/>
+      </a:majorFont>
+      <a:minorFont>
+        <a:latin typeface="Calibri" panose="020F0502020204030204"/>
+        <a:ea typeface=""/>
+        <a:cs typeface=""/>
+        <a:font script="Jpan" typeface="游ゴシック"/>
+        <a:font script="Hang" typeface="맑은 고딕"/>
+        <a:font script="Hans" typeface="等线"/>
+        <a:font script="Hant" typeface="新細明體"/>
+        <a:font script="Arab" typeface="Arial"/>
+        <a:font script="Hebr" typeface="Arial"/>
+        <a:font script="Thai" typeface="Cordia New"/>
+        <a:font script="Ethi" typeface="Nyala"/>
+        <a:font script="Beng" typeface="Vrinda"/>
+        <a:font script="Gujr" typeface="Shruti"/>
+        <a:font script="Khmr" typeface="DaunPenh"/>
+        <a:font script="Knda" typeface="Tunga"/>
+        <a:font script="Guru" typeface="Raavi"/>
+        <a:font script="Cans" typeface="Euphemia"/>
+        <a:font script="Cher" typeface="Plantagenet Cherokee"/>
+        <a:font script="Yiii" typeface="Microsoft Yi Baiti"/>
+        <a:font script="Tibt" typeface="Microsoft Himalaya"/>
+        <a:font script="Thaa" typeface="MV Boli"/>
+        <a:font script="Deva" typeface="Mangal"/>
+        <a:font script="Telu" typeface="Gautami"/>
+        <a:font script="Taml" typeface="Latha"/>
+        <a:font script="Syrc" typeface="Estrangelo Edessa"/>
+        <a:font script="Orya" typeface="Kalinga"/>
+        <a:font script="Mlym" typeface="Kartika"/>
+        <a:font script="Laoo" typeface="DokChampa"/>
+        <a:font script="Sinh" typeface="Iskoola Pota"/>
+        <a:font script="Mong" typeface="Mongolian Baiti"/>
+        <a:font script="Viet" typeface="Arial"/>
+        <a:font script="Uigh" typeface="Microsoft Uighur"/>
+        <a:font script="Geor" typeface="Sylfaen"/>
+        <a:font script="Armn" typeface="Arial"/>
+        <a:font script="Bugi" typeface="Leelawadee UI"/>
+        <a:font script="Bopo" typeface="Microsoft JhengHei"/>
+        <a:font script="Java" typeface="Javanese Text"/>
+        <a:font script="Lisu" typeface="Segoe UI"/>
+        <a:font script="Mymr" typeface="Myanmar Text"/>
+        <a:font script="Nkoo" typeface="Ebrima"/>
+        <a:font script="Olck" typeface="Nirmala UI"/>
+        <a:font script="Osma" typeface="Ebrima"/>
+        <a:font script="Phag" typeface="Phagspa"/>
+        <a:font script="Syrn" typeface="Estrangelo Edessa"/>
+        <a:font script="Syrj" typeface="Estrangelo Edessa"/>
+        <a:font script="Syre" typeface="Estrangelo Edessa"/>
+        <a:font script="Sora" typeface="Nirmala UI"/>
+        <a:font script="Tale" typeface="Microsoft Tai Le"/>
+        <a:font script="Talu" typeface="Microsoft New Tai Lue"/>
+        <a:font script="Tfng" typeface="Ebrima"/>
+      </a:minorFont>
+    </a:fontScheme>
+    <a:fmtScheme name="Office">
+      <a:fillStyleLst>
+        <a:solidFill>
+          <a:schemeClr val="phClr"/>
+        </a:solidFill>
+        <a:gradFill rotWithShape="1">
+          <a:gsLst>
+            <a:gs pos="0">
+              <a:schemeClr val="phClr">
+                <a:lumMod val="110000"/>
+                <a:satMod val="105000"/>
+                <a:tint val="67000"/>
+              </a:schemeClr>
+            </a:gs>
+            <a:gs pos="50000">
+              <a:schemeClr val="phClr">
+                <a:lumMod val="105000"/>
+                <a:satMod val="103000"/>
+                <a:tint val="73000"/>
+              </a:schemeClr>
+            </a:gs>
+            <a:gs pos="100000">
+              <a:schemeClr val="phClr">
+                <a:lumMod val="105000"/>
+                <a:satMod val="109000"/>
+                <a:tint val="81000"/>
+              </a:schemeClr>
+            </a:gs>
+          </a:gsLst>
+          <a:lin ang="5400000" scaled="0"/>
+        </a:gradFill>
+        <a:gradFill rotWithShape="1">
+          <a:gsLst>
+            <a:gs pos="0">
+              <a:schemeClr val="phClr">
+                <a:satMod val="103000"/>
+                <a:lumMod val="102000"/>
+                <a:tint val="94000"/>
+              </a:schemeClr>
+            </a:gs>
+            <a:gs pos="50000">
+              <a:schemeClr val="phClr">
+                <a:satMod val="110000"/>
+                <a:lumMod val="100000"/>
+                <a:shade val="100000"/>
+              </a:schemeClr>
+            </a:gs>
+            <a:gs pos="100000">
+              <a:schemeClr val="phClr">
+                <a:lumMod val="99000"/>
+                <a:satMod val="120000"/>
+                <a:shade val="78000"/>
+              </a:schemeClr>
+            </a:gs>
+          </a:gsLst>
+          <a:lin ang="5400000" scaled="0"/>
+        </a:gradFill>
+      </a:fillStyleLst>
+      <a:lnStyleLst>
+        <a:ln w="6350" cap="flat" cmpd="sng" algn="ctr">
+          <a:solidFill>
+            <a:schemeClr val="phClr"/>
+          </a:solidFill>
+          <a:prstDash val="solid"/>
+          <a:miter lim="800000"/>
+        </a:ln>
+        <a:ln w="12700" cap="flat" cmpd="sng" algn="ctr">
+          <a:solidFill>
+            <a:schemeClr val="phClr"/>
+          </a:solidFill>
+          <a:prstDash val="solid"/>
+          <a:miter lim="800000"/>
+        </a:ln>
+        <a:ln w="19050" cap="flat" cmpd="sng" algn="ctr">
+          <a:solidFill>
+            <a:schemeClr val="phClr"/>
+          </a:solidFill>
+          <a:prstDash val="solid"/>
+          <a:miter lim="800000"/>
+        </a:ln>
+      </a:lnStyleLst>
+      <a:effectStyleLst>
+        <a:effectStyle>
+          <a:effectLst/>
+        </a:effectStyle>
+        <a:effectStyle>
+          <a:effectLst/>
+        </a:effectStyle>
+        <a:effectStyle>
+          <a:effectLst>
+            <a:outerShdw blurRad="57150" dist="19050" dir="5400000" algn="ctr" rotWithShape="0">
+              <a:srgbClr val="000000">
+                <a:alpha val="63000"/>
+              </a:srgbClr>
+            </a:outerShdw>
+          </a:effectLst>
+        </a:effectStyle>
+      </a:effectStyleLst>
+      <a:bgFillStyleLst>
+        <a:solidFill>
+          <a:schemeClr val="phClr"/>
+        </a:solidFill>
+        <a:solidFill>
+          <a:schemeClr val="phClr">
+            <a:tint val="95000"/>
+            <a:satMod val="170000"/>
+          </a:schemeClr>
+        </a:solidFill>
+        <a:gradFill rotWithShape="1">
+          <a:gsLst>
+            <a:gs pos="0">
+              <a:schemeClr val="phClr">
+                <a:tint val="93000"/>
+                <a:satMod val="150000"/>
+                <a:shade val="98000"/>
+                <a:lumMod val="102000"/>
+              </a:schemeClr>
+            </a:gs>
+            <a:gs pos="50000">
+              <a:schemeClr val="phClr">
+                <a:tint val="98000"/>
+                <a:satMod val="130000"/>
+                <a:shade val="90000"/>
+                <a:lumMod val="103000"/>
+              </a:schemeClr>
+            </a:gs>
+            <a:gs pos="100000">
+              <a:schemeClr val="phClr">
+                <a:shade val="63000"/>
+                <a:satMod val="120000"/>
+              </a:schemeClr>
+            </a:gs>
+          </a:gsLst>
+          <a:lin ang="5400000" scaled="0"/>
+        </a:gradFill>
+      </a:bgFillStyleLst>
+    </a:fmtScheme>
+  </a:themeElements>
+  <a:objectDefaults/>
+  <a:extraClrSchemeLst/>
+  <a:extLst>
+    <a:ext uri="{05A4C25C-085E-4340-85A3-A5531E510DB2}">
+      <thm15:themeFamily xmlns:thm15="http://schemas.microsoft.com/office/thememl/2012/main" name="Office Theme" id="{62F939B6-93AF-4DB8-9C6B-D6C7DFDC589F}" vid="{4A3C46E8-61CC-4603-A589-7422A47A8E4A}"/>
+    </a:ext>
+  </a:extLst>
+</a:theme>
 </file>